--- a/Rasa custom NLU 모델 개발.pptx
+++ b/Rasa custom NLU 모델 개발.pptx
@@ -184,6 +184,7 @@
           </a:p>
         </c:rich>
       </c:tx>
+      <c:layout/>
       <c:overlay val="0"/>
       <c:spPr>
         <a:noFill/>
@@ -468,6 +469,7 @@
     </c:plotArea>
     <c:legend>
       <c:legendPos val="b"/>
+      <c:layout/>
       <c:overlay val="0"/>
       <c:spPr>
         <a:noFill/>
@@ -579,6 +581,7 @@
           </a:p>
         </c:rich>
       </c:tx>
+      <c:layout/>
       <c:overlay val="0"/>
       <c:spPr>
         <a:noFill/>
@@ -817,6 +820,7 @@
     </c:plotArea>
     <c:legend>
       <c:legendPos val="b"/>
+      <c:layout/>
       <c:overlay val="0"/>
       <c:spPr>
         <a:noFill/>
@@ -941,6 +945,7 @@
           </a:p>
         </c:rich>
       </c:tx>
+      <c:layout/>
       <c:overlay val="0"/>
       <c:spPr>
         <a:noFill/>
@@ -1368,6 +1373,7 @@
     </c:plotArea>
     <c:legend>
       <c:legendPos val="b"/>
+      <c:layout/>
       <c:overlay val="0"/>
       <c:spPr>
         <a:noFill/>
@@ -1975,10 +1981,10 @@
                 <c:formatCode>General</c:formatCode>
                 <c:ptCount val="2"/>
                 <c:pt idx="0">
-                  <c:v>0.76419999999999999</c:v>
+                  <c:v>0.74529999999999996</c:v>
                 </c:pt>
                 <c:pt idx="1">
-                  <c:v>0.74619999999999997</c:v>
+                  <c:v>0.72840000000000005</c:v>
                 </c:pt>
               </c:numCache>
             </c:numRef>
@@ -5410,50 +5416,18 @@
           <a:bodyPr/>
           <a:lstStyle/>
           <a:p>
-            <a:pPr marL="0" indent="0">
-              <a:buFontTx/>
-              <a:buNone/>
-            </a:pPr>
-            <a:r>
-              <a:rPr lang="ko-KR" altLang="en-US" dirty="0"/>
-              <a:t>주제 선정</a:t>
-            </a:r>
-            <a:endParaRPr lang="en-US" altLang="ko-KR" dirty="0"/>
-          </a:p>
-          <a:p>
             <a:pPr marL="171450" indent="-171450">
               <a:buFontTx/>
               <a:buChar char="-"/>
             </a:pPr>
             <a:r>
-              <a:rPr lang="ko-KR" altLang="en-US" dirty="0"/>
-              <a:t>처음 </a:t>
-            </a:r>
-            <a:r>
-              <a:rPr lang="ko-KR" altLang="en-US" dirty="0" err="1"/>
-              <a:t>김석겸</a:t>
-            </a:r>
-            <a:r>
-              <a:rPr lang="ko-KR" altLang="en-US" dirty="0"/>
-              <a:t> 선임님이 주신 주제는 </a:t>
-            </a:r>
-            <a:r>
-              <a:rPr lang="en-US" altLang="ko-KR" dirty="0"/>
-              <a:t>CRF </a:t>
-            </a:r>
-            <a:r>
-              <a:rPr lang="ko-KR" altLang="en-US" dirty="0"/>
-              <a:t>기반 </a:t>
-            </a:r>
-            <a:r>
-              <a:rPr lang="en-US" altLang="ko-KR" dirty="0"/>
-              <a:t>Entity Extractor </a:t>
-            </a:r>
-            <a:r>
-              <a:rPr lang="ko-KR" altLang="en-US" dirty="0"/>
-              <a:t>개발</a:t>
-            </a:r>
-            <a:endParaRPr lang="en-US" altLang="ko-KR" dirty="0"/>
+              <a:rPr lang="ko-KR" altLang="en-US" baseline="0" dirty="0" smtClean="0"/>
+              <a:t>서론에서 주제 선정 배경과 프로젝트의 필요성에 대해 말씀 드리고 각 컴포넌트 별로 어떻게 구성을 했고</a:t>
+            </a:r>
+            <a:r>
+              <a:rPr lang="en-US" altLang="ko-KR" baseline="0" dirty="0" smtClean="0"/>
+              <a:t>,</a:t>
+            </a:r>
           </a:p>
           <a:p>
             <a:pPr marL="171450" indent="-171450">
@@ -5461,86 +5435,21 @@
               <a:buChar char="-"/>
             </a:pPr>
             <a:r>
-              <a:rPr lang="ko-KR" altLang="en-US" dirty="0"/>
-              <a:t>관련해서 개발하다가 확장되는 부분이 있어서 포괄적으로 제목을 작성함</a:t>
-            </a:r>
-            <a:endParaRPr lang="en-US" altLang="ko-KR" dirty="0"/>
-          </a:p>
-          <a:p>
-            <a:pPr marL="0" indent="0">
-              <a:buFontTx/>
-              <a:buNone/>
-            </a:pPr>
-            <a:endParaRPr lang="en-US" altLang="ko-KR" dirty="0"/>
-          </a:p>
-          <a:p>
-            <a:pPr marL="0" indent="0">
-              <a:buFontTx/>
-              <a:buNone/>
-            </a:pPr>
-            <a:r>
-              <a:rPr lang="ko-KR" altLang="en-US" dirty="0"/>
-              <a:t>프로젝트 필요성</a:t>
-            </a:r>
-            <a:endParaRPr lang="en-US" altLang="ko-KR" dirty="0"/>
-          </a:p>
-          <a:p>
-            <a:pPr marL="171450" indent="-171450">
-              <a:buFontTx/>
-              <a:buChar char="-"/>
-            </a:pPr>
-            <a:r>
-              <a:rPr lang="ko-KR" altLang="en-US" dirty="0"/>
-              <a:t>다른 부분은 </a:t>
-            </a:r>
-            <a:r>
-              <a:rPr lang="ko-KR" altLang="en-US" dirty="0" err="1"/>
-              <a:t>룰기반</a:t>
-            </a:r>
-            <a:r>
-              <a:rPr lang="ko-KR" altLang="en-US" dirty="0"/>
-              <a:t> 혹은 쉽게 학습 가능</a:t>
-            </a:r>
-            <a:endParaRPr lang="en-US" altLang="ko-KR" dirty="0"/>
-          </a:p>
-          <a:p>
-            <a:pPr marL="171450" marR="0" lvl="0" indent="-171450" algn="l" defTabSz="914400" rtl="0" eaLnBrk="1" fontAlgn="auto" latinLnBrk="1" hangingPunct="1">
-              <a:lnSpc>
-                <a:spcPct val="100000"/>
-              </a:lnSpc>
-              <a:spcBef>
-                <a:spcPts val="0"/>
-              </a:spcBef>
-              <a:spcAft>
-                <a:spcPts val="0"/>
-              </a:spcAft>
-              <a:buClrTx/>
-              <a:buSzTx/>
-              <a:buFontTx/>
-              <a:buChar char="-"/>
-              <a:tabLst/>
-              <a:defRPr/>
-            </a:pPr>
-            <a:r>
-              <a:rPr lang="en-US" altLang="ko-KR" dirty="0"/>
-              <a:t>Rasa</a:t>
-            </a:r>
-            <a:r>
-              <a:rPr lang="ko-KR" altLang="en-US" dirty="0"/>
-              <a:t>내 한국어 특화 모델 부재 혹은 빈약 </a:t>
-            </a:r>
-            <a:endParaRPr lang="en-US" altLang="ko-KR" dirty="0"/>
-          </a:p>
-          <a:p>
-            <a:pPr marL="171450" indent="-171450">
-              <a:buFontTx/>
-              <a:buChar char="-"/>
-            </a:pPr>
-            <a:r>
-              <a:rPr lang="ko-KR" altLang="en-US" dirty="0"/>
-              <a:t>모델 고도화를 위해 빠르게 다양한 모델을 실험할 수 있는 환경 필요</a:t>
-            </a:r>
-            <a:endParaRPr lang="en-US" altLang="ko-KR" dirty="0"/>
+              <a:rPr lang="ko-KR" altLang="en-US" baseline="0" dirty="0" smtClean="0"/>
+              <a:t>실험을 어떻게 진행했는지</a:t>
+            </a:r>
+            <a:r>
+              <a:rPr lang="en-US" altLang="ko-KR" baseline="0" dirty="0" smtClean="0"/>
+              <a:t>, </a:t>
+            </a:r>
+            <a:r>
+              <a:rPr lang="ko-KR" altLang="en-US" baseline="0" dirty="0" smtClean="0"/>
+              <a:t>최종적으로 결과는 어떻게 나왔는지 순으로 발표 진행하겠습니다</a:t>
+            </a:r>
+            <a:r>
+              <a:rPr lang="en-US" altLang="ko-KR" baseline="0" dirty="0" smtClean="0"/>
+              <a:t>.</a:t>
+            </a:r>
           </a:p>
         </p:txBody>
       </p:sp>
@@ -5561,16 +5470,16 @@
           <a:p>
             <a:fld id="{B8A155F3-8AE1-48DA-864B-73F9985F9839}" type="slidenum">
               <a:rPr lang="ko-KR" altLang="en-US" smtClean="0"/>
-              <a:t>3</a:t>
+              <a:t>2</a:t>
             </a:fld>
-            <a:endParaRPr lang="ko-KR" altLang="en-US"/>
+            <a:endParaRPr lang="ko-KR" altLang="en-US" dirty="0"/>
           </a:p>
         </p:txBody>
       </p:sp>
     </p:spTree>
     <p:extLst>
       <p:ext uri="{BB962C8B-B14F-4D97-AF65-F5344CB8AC3E}">
-        <p14:creationId xmlns:p14="http://schemas.microsoft.com/office/powerpoint/2010/main" val="2963479690"/>
+        <p14:creationId xmlns:p14="http://schemas.microsoft.com/office/powerpoint/2010/main" val="1060507670"/>
       </p:ext>
     </p:extLst>
   </p:cSld>
@@ -5683,7 +5592,7 @@
           <a:p>
             <a:fld id="{B8A155F3-8AE1-48DA-864B-73F9985F9839}" type="slidenum">
               <a:rPr lang="ko-KR" altLang="en-US" smtClean="0"/>
-              <a:t>13</a:t>
+              <a:t>12</a:t>
             </a:fld>
             <a:endParaRPr lang="ko-KR" altLang="en-US"/>
           </a:p>
@@ -5692,7 +5601,7 @@
     </p:spTree>
     <p:extLst>
       <p:ext uri="{BB962C8B-B14F-4D97-AF65-F5344CB8AC3E}">
-        <p14:creationId xmlns:p14="http://schemas.microsoft.com/office/powerpoint/2010/main" val="3811885352"/>
+        <p14:creationId xmlns:p14="http://schemas.microsoft.com/office/powerpoint/2010/main" val="3233859843"/>
       </p:ext>
     </p:extLst>
   </p:cSld>
@@ -5746,6 +5655,103 @@
           <a:bodyPr/>
           <a:lstStyle/>
           <a:p>
+            <a:pPr marL="171450" indent="-171450">
+              <a:buFontTx/>
+              <a:buChar char="-"/>
+            </a:pPr>
+            <a:r>
+              <a:rPr lang="ko-KR" altLang="en-US" baseline="0" dirty="0" smtClean="0"/>
+              <a:t>어디까지 수정을 </a:t>
+            </a:r>
+            <a:r>
+              <a:rPr lang="ko-KR" altLang="en-US" baseline="0" dirty="0" err="1" smtClean="0"/>
+              <a:t>해야될</a:t>
+            </a:r>
+            <a:r>
+              <a:rPr lang="ko-KR" altLang="en-US" baseline="0" dirty="0" smtClean="0"/>
+              <a:t> 지 고민</a:t>
+            </a:r>
+            <a:endParaRPr lang="en-US" altLang="ko-KR" baseline="0" dirty="0" smtClean="0"/>
+          </a:p>
+          <a:p>
+            <a:pPr marL="171450" indent="-171450">
+              <a:buFontTx/>
+              <a:buChar char="-"/>
+            </a:pPr>
+            <a:r>
+              <a:rPr lang="en-US" altLang="ko-KR" baseline="0" dirty="0" smtClean="0"/>
+              <a:t>DIET </a:t>
+            </a:r>
+            <a:r>
+              <a:rPr lang="ko-KR" altLang="en-US" baseline="0" dirty="0" smtClean="0"/>
+              <a:t>부분만 수정</a:t>
+            </a:r>
+            <a:endParaRPr lang="en-US" altLang="ko-KR" baseline="0" dirty="0" smtClean="0"/>
+          </a:p>
+          <a:p>
+            <a:pPr marL="171450" indent="-171450">
+              <a:buFontTx/>
+              <a:buChar char="-"/>
+            </a:pPr>
+            <a:r>
+              <a:rPr lang="en-US" altLang="ko-KR" baseline="0" dirty="0" err="1" smtClean="0"/>
+              <a:t>Rasamodel</a:t>
+            </a:r>
+            <a:r>
+              <a:rPr lang="ko-KR" altLang="en-US" baseline="0" dirty="0" smtClean="0"/>
+              <a:t>에서 대표적으로 수정을 해야할 사항이 </a:t>
+            </a:r>
+            <a:r>
+              <a:rPr lang="en-US" altLang="ko-KR" baseline="0" dirty="0" err="1" smtClean="0"/>
+              <a:t>prepare_layer</a:t>
+            </a:r>
+            <a:r>
+              <a:rPr lang="en-US" altLang="ko-KR" baseline="0" dirty="0" smtClean="0"/>
+              <a:t>, </a:t>
+            </a:r>
+            <a:r>
+              <a:rPr lang="en-US" altLang="ko-KR" baseline="0" dirty="0" err="1" smtClean="0"/>
+              <a:t>batch_loss</a:t>
+            </a:r>
+            <a:r>
+              <a:rPr lang="en-US" altLang="ko-KR" baseline="0" dirty="0" smtClean="0"/>
+              <a:t>, </a:t>
+            </a:r>
+            <a:r>
+              <a:rPr lang="en-US" altLang="ko-KR" baseline="0" dirty="0" err="1" smtClean="0"/>
+              <a:t>batch_predict</a:t>
+            </a:r>
+            <a:endParaRPr lang="en-US" altLang="ko-KR" baseline="0" dirty="0" smtClean="0"/>
+          </a:p>
+          <a:p>
+            <a:pPr marL="171450" indent="-171450">
+              <a:buFontTx/>
+              <a:buChar char="-"/>
+            </a:pPr>
+            <a:r>
+              <a:rPr lang="ko-KR" altLang="en-US" baseline="0" dirty="0" smtClean="0"/>
+              <a:t>자세한 내용은 </a:t>
+            </a:r>
+            <a:r>
+              <a:rPr lang="en-US" altLang="ko-KR" baseline="0" dirty="0" err="1" smtClean="0"/>
+              <a:t>mygit</a:t>
+            </a:r>
+            <a:r>
+              <a:rPr lang="ko-KR" altLang="en-US" baseline="0" dirty="0" smtClean="0"/>
+              <a:t>에 코드 </a:t>
+            </a:r>
+            <a:r>
+              <a:rPr lang="ko-KR" altLang="en-US" baseline="0" dirty="0" err="1" smtClean="0"/>
+              <a:t>올려놨으니까</a:t>
+            </a:r>
+            <a:r>
+              <a:rPr lang="ko-KR" altLang="en-US" baseline="0" dirty="0" smtClean="0"/>
+              <a:t> 보시고 궁금한 점 질문 해주시면 좋을 것 같습니다</a:t>
+            </a:r>
+            <a:r>
+              <a:rPr lang="en-US" altLang="ko-KR" baseline="0" dirty="0" smtClean="0"/>
+              <a:t>.</a:t>
+            </a:r>
             <a:endParaRPr lang="ko-KR" altLang="en-US" dirty="0"/>
           </a:p>
         </p:txBody>
@@ -5767,7 +5773,7 @@
           <a:p>
             <a:fld id="{B8A155F3-8AE1-48DA-864B-73F9985F9839}" type="slidenum">
               <a:rPr lang="ko-KR" altLang="en-US" smtClean="0"/>
-              <a:t>14</a:t>
+              <a:t>13</a:t>
             </a:fld>
             <a:endParaRPr lang="ko-KR" altLang="en-US"/>
           </a:p>
@@ -5776,7 +5782,7 @@
     </p:spTree>
     <p:extLst>
       <p:ext uri="{BB962C8B-B14F-4D97-AF65-F5344CB8AC3E}">
-        <p14:creationId xmlns:p14="http://schemas.microsoft.com/office/powerpoint/2010/main" val="3797826478"/>
+        <p14:creationId xmlns:p14="http://schemas.microsoft.com/office/powerpoint/2010/main" val="3811885352"/>
       </p:ext>
     </p:extLst>
   </p:cSld>
@@ -5830,96 +5836,6 @@
           <a:bodyPr/>
           <a:lstStyle/>
           <a:p>
-            <a:r>
-              <a:rPr lang="ko-KR" altLang="en-US" dirty="0"/>
-              <a:t>데이터</a:t>
-            </a:r>
-            <a:endParaRPr lang="en-US" altLang="ko-KR" dirty="0"/>
-          </a:p>
-          <a:p>
-            <a:pPr marL="171450" indent="-171450">
-              <a:buFontTx/>
-              <a:buChar char="-"/>
-            </a:pPr>
-            <a:r>
-              <a:rPr lang="ko-KR" altLang="en-US" dirty="0"/>
-              <a:t>중복 </a:t>
-            </a:r>
-            <a:r>
-              <a:rPr lang="ko-KR" altLang="en-US" dirty="0" err="1"/>
-              <a:t>엔티티</a:t>
-            </a:r>
-            <a:r>
-              <a:rPr lang="ko-KR" altLang="en-US" dirty="0"/>
-              <a:t> </a:t>
-            </a:r>
-            <a:r>
-              <a:rPr lang="en-US" altLang="ko-KR" dirty="0"/>
-              <a:t>: </a:t>
-            </a:r>
-            <a:r>
-              <a:rPr lang="ko-KR" altLang="en-US" dirty="0"/>
-              <a:t>메뉴</a:t>
-            </a:r>
-            <a:r>
-              <a:rPr lang="en-US" altLang="ko-KR" dirty="0"/>
-              <a:t>, </a:t>
-            </a:r>
-            <a:r>
-              <a:rPr lang="ko-KR" altLang="en-US" dirty="0"/>
-              <a:t>음료 종류</a:t>
-            </a:r>
-            <a:r>
-              <a:rPr lang="en-US" altLang="ko-KR" dirty="0"/>
-              <a:t>, </a:t>
-            </a:r>
-            <a:r>
-              <a:rPr lang="ko-KR" altLang="en-US" dirty="0"/>
-              <a:t>빵 종류</a:t>
-            </a:r>
-            <a:endParaRPr lang="en-US" altLang="ko-KR" dirty="0"/>
-          </a:p>
-          <a:p>
-            <a:pPr marL="171450" indent="-171450">
-              <a:buFontTx/>
-              <a:buChar char="-"/>
-            </a:pPr>
-            <a:r>
-              <a:rPr lang="ko-KR" altLang="en-US" dirty="0"/>
-              <a:t>불필요 </a:t>
-            </a:r>
-            <a:r>
-              <a:rPr lang="ko-KR" altLang="en-US" dirty="0" err="1"/>
-              <a:t>엔티티</a:t>
-            </a:r>
-            <a:r>
-              <a:rPr lang="ko-KR" altLang="en-US" dirty="0"/>
-              <a:t> </a:t>
-            </a:r>
-            <a:r>
-              <a:rPr lang="en-US" altLang="ko-KR" dirty="0"/>
-              <a:t>: </a:t>
-            </a:r>
-            <a:r>
-              <a:rPr lang="ko-KR" altLang="en-US" dirty="0"/>
-              <a:t>인스턴스 </a:t>
-            </a:r>
-            <a:r>
-              <a:rPr lang="en-US" altLang="ko-KR" dirty="0"/>
-              <a:t>1~2</a:t>
-            </a:r>
-            <a:r>
-              <a:rPr lang="ko-KR" altLang="en-US" baseline="0" dirty="0"/>
-              <a:t>개 </a:t>
-            </a:r>
-            <a:r>
-              <a:rPr lang="ko-KR" altLang="en-US" baseline="0" dirty="0" err="1"/>
-              <a:t>엔티티</a:t>
-            </a:r>
-            <a:r>
-              <a:rPr lang="ko-KR" altLang="en-US" baseline="0" dirty="0"/>
-              <a:t> 중 기능에 불필요하다고 판단되는 경우 제거</a:t>
-            </a:r>
             <a:endParaRPr lang="ko-KR" altLang="en-US" dirty="0"/>
           </a:p>
         </p:txBody>
@@ -5941,7 +5857,7 @@
           <a:p>
             <a:fld id="{B8A155F3-8AE1-48DA-864B-73F9985F9839}" type="slidenum">
               <a:rPr lang="ko-KR" altLang="en-US" smtClean="0"/>
-              <a:t>15</a:t>
+              <a:t>14</a:t>
             </a:fld>
             <a:endParaRPr lang="ko-KR" altLang="en-US"/>
           </a:p>
@@ -5950,7 +5866,7 @@
     </p:spTree>
     <p:extLst>
       <p:ext uri="{BB962C8B-B14F-4D97-AF65-F5344CB8AC3E}">
-        <p14:creationId xmlns:p14="http://schemas.microsoft.com/office/powerpoint/2010/main" val="3189647753"/>
+        <p14:creationId xmlns:p14="http://schemas.microsoft.com/office/powerpoint/2010/main" val="3797826478"/>
       </p:ext>
     </p:extLst>
   </p:cSld>
@@ -6004,6 +5920,96 @@
           <a:bodyPr/>
           <a:lstStyle/>
           <a:p>
+            <a:r>
+              <a:rPr lang="ko-KR" altLang="en-US" dirty="0"/>
+              <a:t>데이터</a:t>
+            </a:r>
+            <a:endParaRPr lang="en-US" altLang="ko-KR" dirty="0"/>
+          </a:p>
+          <a:p>
+            <a:pPr marL="171450" indent="-171450">
+              <a:buFontTx/>
+              <a:buChar char="-"/>
+            </a:pPr>
+            <a:r>
+              <a:rPr lang="ko-KR" altLang="en-US" dirty="0"/>
+              <a:t>중복 </a:t>
+            </a:r>
+            <a:r>
+              <a:rPr lang="ko-KR" altLang="en-US" dirty="0" err="1"/>
+              <a:t>엔티티</a:t>
+            </a:r>
+            <a:r>
+              <a:rPr lang="ko-KR" altLang="en-US" dirty="0"/>
+              <a:t> </a:t>
+            </a:r>
+            <a:r>
+              <a:rPr lang="en-US" altLang="ko-KR" dirty="0"/>
+              <a:t>: </a:t>
+            </a:r>
+            <a:r>
+              <a:rPr lang="ko-KR" altLang="en-US" dirty="0"/>
+              <a:t>메뉴</a:t>
+            </a:r>
+            <a:r>
+              <a:rPr lang="en-US" altLang="ko-KR" dirty="0"/>
+              <a:t>, </a:t>
+            </a:r>
+            <a:r>
+              <a:rPr lang="ko-KR" altLang="en-US" dirty="0"/>
+              <a:t>음료 종류</a:t>
+            </a:r>
+            <a:r>
+              <a:rPr lang="en-US" altLang="ko-KR" dirty="0"/>
+              <a:t>, </a:t>
+            </a:r>
+            <a:r>
+              <a:rPr lang="ko-KR" altLang="en-US" dirty="0"/>
+              <a:t>빵 종류</a:t>
+            </a:r>
+            <a:endParaRPr lang="en-US" altLang="ko-KR" dirty="0"/>
+          </a:p>
+          <a:p>
+            <a:pPr marL="171450" indent="-171450">
+              <a:buFontTx/>
+              <a:buChar char="-"/>
+            </a:pPr>
+            <a:r>
+              <a:rPr lang="ko-KR" altLang="en-US" dirty="0"/>
+              <a:t>불필요 </a:t>
+            </a:r>
+            <a:r>
+              <a:rPr lang="ko-KR" altLang="en-US" dirty="0" err="1"/>
+              <a:t>엔티티</a:t>
+            </a:r>
+            <a:r>
+              <a:rPr lang="ko-KR" altLang="en-US" dirty="0"/>
+              <a:t> </a:t>
+            </a:r>
+            <a:r>
+              <a:rPr lang="en-US" altLang="ko-KR" dirty="0"/>
+              <a:t>: </a:t>
+            </a:r>
+            <a:r>
+              <a:rPr lang="ko-KR" altLang="en-US" dirty="0"/>
+              <a:t>인스턴스 </a:t>
+            </a:r>
+            <a:r>
+              <a:rPr lang="en-US" altLang="ko-KR" dirty="0"/>
+              <a:t>1~2</a:t>
+            </a:r>
+            <a:r>
+              <a:rPr lang="ko-KR" altLang="en-US" baseline="0" dirty="0"/>
+              <a:t>개 </a:t>
+            </a:r>
+            <a:r>
+              <a:rPr lang="ko-KR" altLang="en-US" baseline="0" dirty="0" err="1"/>
+              <a:t>엔티티</a:t>
+            </a:r>
+            <a:r>
+              <a:rPr lang="ko-KR" altLang="en-US" baseline="0" dirty="0"/>
+              <a:t> 중 기능에 불필요하다고 판단되는 경우 제거</a:t>
+            </a:r>
             <a:endParaRPr lang="ko-KR" altLang="en-US" dirty="0"/>
           </a:p>
         </p:txBody>
@@ -6025,7 +6031,7 @@
           <a:p>
             <a:fld id="{B8A155F3-8AE1-48DA-864B-73F9985F9839}" type="slidenum">
               <a:rPr lang="ko-KR" altLang="en-US" smtClean="0"/>
-              <a:t>16</a:t>
+              <a:t>15</a:t>
             </a:fld>
             <a:endParaRPr lang="ko-KR" altLang="en-US"/>
           </a:p>
@@ -6034,7 +6040,7 @@
     </p:spTree>
     <p:extLst>
       <p:ext uri="{BB962C8B-B14F-4D97-AF65-F5344CB8AC3E}">
-        <p14:creationId xmlns:p14="http://schemas.microsoft.com/office/powerpoint/2010/main" val="2415071450"/>
+        <p14:creationId xmlns:p14="http://schemas.microsoft.com/office/powerpoint/2010/main" val="3189647753"/>
       </p:ext>
     </p:extLst>
   </p:cSld>
@@ -6109,7 +6115,7 @@
           <a:p>
             <a:fld id="{B8A155F3-8AE1-48DA-864B-73F9985F9839}" type="slidenum">
               <a:rPr lang="ko-KR" altLang="en-US" smtClean="0"/>
-              <a:t>17</a:t>
+              <a:t>16</a:t>
             </a:fld>
             <a:endParaRPr lang="ko-KR" altLang="en-US"/>
           </a:p>
@@ -6118,7 +6124,7 @@
     </p:spTree>
     <p:extLst>
       <p:ext uri="{BB962C8B-B14F-4D97-AF65-F5344CB8AC3E}">
-        <p14:creationId xmlns:p14="http://schemas.microsoft.com/office/powerpoint/2010/main" val="4079064184"/>
+        <p14:creationId xmlns:p14="http://schemas.microsoft.com/office/powerpoint/2010/main" val="2415071450"/>
       </p:ext>
     </p:extLst>
   </p:cSld>
@@ -6193,7 +6199,7 @@
           <a:p>
             <a:fld id="{B8A155F3-8AE1-48DA-864B-73F9985F9839}" type="slidenum">
               <a:rPr lang="ko-KR" altLang="en-US" smtClean="0"/>
-              <a:t>18</a:t>
+              <a:t>17</a:t>
             </a:fld>
             <a:endParaRPr lang="ko-KR" altLang="en-US"/>
           </a:p>
@@ -6202,7 +6208,7 @@
     </p:spTree>
     <p:extLst>
       <p:ext uri="{BB962C8B-B14F-4D97-AF65-F5344CB8AC3E}">
-        <p14:creationId xmlns:p14="http://schemas.microsoft.com/office/powerpoint/2010/main" val="660121627"/>
+        <p14:creationId xmlns:p14="http://schemas.microsoft.com/office/powerpoint/2010/main" val="4079064184"/>
       </p:ext>
     </p:extLst>
   </p:cSld>
@@ -6277,7 +6283,7 @@
           <a:p>
             <a:fld id="{B8A155F3-8AE1-48DA-864B-73F9985F9839}" type="slidenum">
               <a:rPr lang="ko-KR" altLang="en-US" smtClean="0"/>
-              <a:t>19</a:t>
+              <a:t>18</a:t>
             </a:fld>
             <a:endParaRPr lang="ko-KR" altLang="en-US"/>
           </a:p>
@@ -6286,7 +6292,7 @@
     </p:spTree>
     <p:extLst>
       <p:ext uri="{BB962C8B-B14F-4D97-AF65-F5344CB8AC3E}">
-        <p14:creationId xmlns:p14="http://schemas.microsoft.com/office/powerpoint/2010/main" val="1870018647"/>
+        <p14:creationId xmlns:p14="http://schemas.microsoft.com/office/powerpoint/2010/main" val="660121627"/>
       </p:ext>
     </p:extLst>
   </p:cSld>
@@ -6361,7 +6367,7 @@
           <a:p>
             <a:fld id="{B8A155F3-8AE1-48DA-864B-73F9985F9839}" type="slidenum">
               <a:rPr lang="ko-KR" altLang="en-US" smtClean="0"/>
-              <a:t>20</a:t>
+              <a:t>19</a:t>
             </a:fld>
             <a:endParaRPr lang="ko-KR" altLang="en-US"/>
           </a:p>
@@ -6370,7 +6376,7 @@
     </p:spTree>
     <p:extLst>
       <p:ext uri="{BB962C8B-B14F-4D97-AF65-F5344CB8AC3E}">
-        <p14:creationId xmlns:p14="http://schemas.microsoft.com/office/powerpoint/2010/main" val="2152331790"/>
+        <p14:creationId xmlns:p14="http://schemas.microsoft.com/office/powerpoint/2010/main" val="1870018647"/>
       </p:ext>
     </p:extLst>
   </p:cSld>
@@ -6445,7 +6451,7 @@
           <a:p>
             <a:fld id="{B8A155F3-8AE1-48DA-864B-73F9985F9839}" type="slidenum">
               <a:rPr lang="ko-KR" altLang="en-US" smtClean="0"/>
-              <a:t>21</a:t>
+              <a:t>20</a:t>
             </a:fld>
             <a:endParaRPr lang="ko-KR" altLang="en-US"/>
           </a:p>
@@ -6454,7 +6460,7 @@
     </p:spTree>
     <p:extLst>
       <p:ext uri="{BB962C8B-B14F-4D97-AF65-F5344CB8AC3E}">
-        <p14:creationId xmlns:p14="http://schemas.microsoft.com/office/powerpoint/2010/main" val="1011539932"/>
+        <p14:creationId xmlns:p14="http://schemas.microsoft.com/office/powerpoint/2010/main" val="2152331790"/>
       </p:ext>
     </p:extLst>
   </p:cSld>
@@ -6529,7 +6535,7 @@
           <a:p>
             <a:fld id="{B8A155F3-8AE1-48DA-864B-73F9985F9839}" type="slidenum">
               <a:rPr lang="ko-KR" altLang="en-US" smtClean="0"/>
-              <a:t>22</a:t>
+              <a:t>21</a:t>
             </a:fld>
             <a:endParaRPr lang="ko-KR" altLang="en-US"/>
           </a:p>
@@ -6538,7 +6544,7 @@
     </p:spTree>
     <p:extLst>
       <p:ext uri="{BB962C8B-B14F-4D97-AF65-F5344CB8AC3E}">
-        <p14:creationId xmlns:p14="http://schemas.microsoft.com/office/powerpoint/2010/main" val="2795499331"/>
+        <p14:creationId xmlns:p14="http://schemas.microsoft.com/office/powerpoint/2010/main" val="1011539932"/>
       </p:ext>
     </p:extLst>
   </p:cSld>
@@ -6592,51 +6598,50 @@
           <a:bodyPr/>
           <a:lstStyle/>
           <a:p>
+            <a:pPr marL="0" indent="0">
+              <a:buFontTx/>
+              <a:buNone/>
+            </a:pPr>
+            <a:r>
+              <a:rPr lang="ko-KR" altLang="en-US" dirty="0"/>
+              <a:t>주제 선정</a:t>
+            </a:r>
+            <a:endParaRPr lang="en-US" altLang="ko-KR" dirty="0"/>
+          </a:p>
+          <a:p>
             <a:pPr marL="171450" indent="-171450">
               <a:buFontTx/>
               <a:buChar char="-"/>
             </a:pPr>
             <a:r>
-              <a:rPr lang="en-US" altLang="ko-KR" dirty="0" err="1"/>
-              <a:t>init</a:t>
-            </a:r>
-            <a:r>
-              <a:rPr lang="en-US" altLang="ko-KR" baseline="0" dirty="0"/>
-              <a:t> : </a:t>
-            </a:r>
-            <a:r>
-              <a:rPr lang="ko-KR" altLang="en-US" baseline="0" dirty="0" err="1"/>
-              <a:t>파이썬에서</a:t>
-            </a:r>
-            <a:r>
-              <a:rPr lang="ko-KR" altLang="en-US" baseline="0" dirty="0"/>
-              <a:t> 객체 생성시 쓰이는 함수</a:t>
-            </a:r>
-            <a:r>
-              <a:rPr lang="en-US" altLang="ko-KR" baseline="0" dirty="0"/>
-              <a:t>. </a:t>
-            </a:r>
-            <a:r>
-              <a:rPr lang="en-US" altLang="ko-KR" baseline="0" dirty="0" err="1"/>
-              <a:t>Config</a:t>
-            </a:r>
-            <a:r>
-              <a:rPr lang="en-US" altLang="ko-KR" baseline="0" dirty="0"/>
-              <a:t> </a:t>
-            </a:r>
-            <a:r>
-              <a:rPr lang="ko-KR" altLang="en-US" baseline="0" dirty="0"/>
-              <a:t>정의 </a:t>
-            </a:r>
-            <a:r>
-              <a:rPr lang="en-US" altLang="ko-KR" baseline="0" dirty="0"/>
-              <a:t>/ </a:t>
-            </a:r>
-            <a:r>
-              <a:rPr lang="ko-KR" altLang="en-US" baseline="0" dirty="0"/>
-              <a:t>데이터 검증</a:t>
-            </a:r>
-            <a:endParaRPr lang="en-US" altLang="ko-KR" baseline="0" dirty="0"/>
+              <a:rPr lang="ko-KR" altLang="en-US" dirty="0"/>
+              <a:t>처음 </a:t>
+            </a:r>
+            <a:r>
+              <a:rPr lang="ko-KR" altLang="en-US" dirty="0" err="1"/>
+              <a:t>김석겸</a:t>
+            </a:r>
+            <a:r>
+              <a:rPr lang="ko-KR" altLang="en-US" dirty="0"/>
+              <a:t> 선임님이 주신 주제는 </a:t>
+            </a:r>
+            <a:r>
+              <a:rPr lang="en-US" altLang="ko-KR" dirty="0"/>
+              <a:t>CRF </a:t>
+            </a:r>
+            <a:r>
+              <a:rPr lang="ko-KR" altLang="en-US" dirty="0"/>
+              <a:t>기반 </a:t>
+            </a:r>
+            <a:r>
+              <a:rPr lang="en-US" altLang="ko-KR" dirty="0"/>
+              <a:t>Entity Extractor </a:t>
+            </a:r>
+            <a:r>
+              <a:rPr lang="ko-KR" altLang="en-US" dirty="0"/>
+              <a:t>개발</a:t>
+            </a:r>
+            <a:endParaRPr lang="en-US" altLang="ko-KR" dirty="0"/>
           </a:p>
           <a:p>
             <a:pPr marL="171450" indent="-171450">
@@ -6644,54 +6649,28 @@
               <a:buChar char="-"/>
             </a:pPr>
             <a:r>
-              <a:rPr lang="en-US" altLang="ko-KR" baseline="0" dirty="0"/>
-              <a:t>train : </a:t>
-            </a:r>
-            <a:r>
-              <a:rPr lang="ko-KR" altLang="en-US" baseline="0" dirty="0"/>
-              <a:t>학습할 모델이 있는 경우 </a:t>
-            </a:r>
-            <a:r>
-              <a:rPr lang="en-US" altLang="ko-KR" baseline="0" dirty="0"/>
-              <a:t>train </a:t>
-            </a:r>
-            <a:r>
-              <a:rPr lang="ko-KR" altLang="en-US" baseline="0" dirty="0"/>
-              <a:t>에서 학습 진행</a:t>
-            </a:r>
-            <a:r>
-              <a:rPr lang="en-US" altLang="ko-KR" baseline="0" dirty="0"/>
-              <a:t>. Tokenizer</a:t>
-            </a:r>
-            <a:r>
-              <a:rPr lang="ko-KR" altLang="en-US" baseline="0" dirty="0"/>
-              <a:t>와 </a:t>
-            </a:r>
-            <a:r>
-              <a:rPr lang="en-US" altLang="ko-KR" baseline="0" dirty="0" err="1"/>
-              <a:t>featurizer</a:t>
-            </a:r>
-            <a:r>
-              <a:rPr lang="ko-KR" altLang="en-US" baseline="0" dirty="0"/>
-              <a:t>의 경우 뒤에 진행될 </a:t>
-            </a:r>
-            <a:r>
-              <a:rPr lang="en-US" altLang="ko-KR" baseline="0" dirty="0" err="1"/>
-              <a:t>componen</a:t>
-            </a:r>
-            <a:r>
-              <a:rPr lang="ko-KR" altLang="en-US" baseline="0" dirty="0"/>
-              <a:t>를 위해 모든 </a:t>
-            </a:r>
-            <a:r>
-              <a:rPr lang="en-US" altLang="ko-KR" baseline="0" dirty="0"/>
-              <a:t>train data</a:t>
-            </a:r>
-            <a:r>
-              <a:rPr lang="ko-KR" altLang="en-US" baseline="0" dirty="0"/>
-              <a:t>에 프로세스 진행</a:t>
-            </a:r>
-            <a:endParaRPr lang="en-US" altLang="ko-KR" baseline="0" dirty="0"/>
+              <a:rPr lang="ko-KR" altLang="en-US" dirty="0"/>
+              <a:t>관련해서 개발하다가 확장되는 부분이 있어서 포괄적으로 제목을 작성함</a:t>
+            </a:r>
+            <a:endParaRPr lang="en-US" altLang="ko-KR" dirty="0"/>
+          </a:p>
+          <a:p>
+            <a:pPr marL="0" indent="0">
+              <a:buFontTx/>
+              <a:buNone/>
+            </a:pPr>
+            <a:endParaRPr lang="en-US" altLang="ko-KR" dirty="0"/>
+          </a:p>
+          <a:p>
+            <a:pPr marL="0" indent="0">
+              <a:buFontTx/>
+              <a:buNone/>
+            </a:pPr>
+            <a:r>
+              <a:rPr lang="ko-KR" altLang="en-US" dirty="0"/>
+              <a:t>프로젝트 필요성</a:t>
+            </a:r>
+            <a:endParaRPr lang="en-US" altLang="ko-KR" dirty="0"/>
           </a:p>
           <a:p>
             <a:pPr marL="171450" indent="-171450">
@@ -6699,25 +6678,22 @@
               <a:buChar char="-"/>
             </a:pPr>
             <a:r>
-              <a:rPr lang="en-US" altLang="ko-KR" baseline="0" dirty="0"/>
-              <a:t>process : </a:t>
-            </a:r>
-            <a:r>
-              <a:rPr lang="ko-KR" altLang="en-US" baseline="0" dirty="0"/>
-              <a:t>각 컴포넌트가 목적으로 하는 일을 수행</a:t>
-            </a:r>
-            <a:r>
-              <a:rPr lang="en-US" altLang="ko-KR" baseline="0" dirty="0"/>
-              <a:t>. (test, shell </a:t>
-            </a:r>
-            <a:r>
-              <a:rPr lang="ko-KR" altLang="en-US" baseline="0" dirty="0"/>
-              <a:t>에서 진행</a:t>
-            </a:r>
-            <a:r>
-              <a:rPr lang="en-US" altLang="ko-KR" baseline="0" dirty="0"/>
-              <a:t>)</a:t>
-            </a:r>
+              <a:rPr lang="ko-KR" altLang="en-US" dirty="0"/>
+              <a:t>다른 부분은 </a:t>
+            </a:r>
+            <a:r>
+              <a:rPr lang="ko-KR" altLang="en-US" dirty="0" err="1"/>
+              <a:t>룰기반</a:t>
+            </a:r>
+            <a:r>
+              <a:rPr lang="ko-KR" altLang="en-US" dirty="0"/>
+              <a:t> 혹은 쉽게 학습 </a:t>
+            </a:r>
+            <a:r>
+              <a:rPr lang="ko-KR" altLang="en-US" dirty="0" smtClean="0"/>
+              <a:t>가능</a:t>
+            </a:r>
+            <a:endParaRPr lang="en-US" altLang="ko-KR" dirty="0" smtClean="0"/>
           </a:p>
           <a:p>
             <a:pPr marL="171450" indent="-171450">
@@ -6725,34 +6701,54 @@
               <a:buChar char="-"/>
             </a:pPr>
             <a:r>
+              <a:rPr lang="en-US" altLang="ko-KR" dirty="0" smtClean="0"/>
+              <a:t>NLU</a:t>
+            </a:r>
+            <a:r>
+              <a:rPr lang="en-US" altLang="ko-KR" baseline="0" dirty="0" smtClean="0"/>
+              <a:t> </a:t>
+            </a:r>
+            <a:r>
+              <a:rPr lang="ko-KR" altLang="en-US" baseline="0" dirty="0" smtClean="0"/>
+              <a:t>모델 성능향상이 </a:t>
+            </a:r>
+            <a:r>
+              <a:rPr lang="ko-KR" altLang="en-US" baseline="0" dirty="0" err="1" smtClean="0"/>
+              <a:t>챗봇</a:t>
+            </a:r>
+            <a:r>
+              <a:rPr lang="ko-KR" altLang="en-US" baseline="0" dirty="0" smtClean="0"/>
+              <a:t> 모델 성능에 가장 큰 기여를 한다</a:t>
+            </a:r>
+            <a:endParaRPr lang="en-US" altLang="ko-KR" dirty="0"/>
+          </a:p>
+          <a:p>
+            <a:pPr marL="171450" marR="0" lvl="0" indent="-171450" algn="l" defTabSz="914400" rtl="0" eaLnBrk="1" fontAlgn="auto" latinLnBrk="1" hangingPunct="1">
+              <a:lnSpc>
+                <a:spcPct val="100000"/>
+              </a:lnSpc>
+              <a:spcBef>
+                <a:spcPts val="0"/>
+              </a:spcBef>
+              <a:spcAft>
+                <a:spcPts val="0"/>
+              </a:spcAft>
+              <a:buClrTx/>
+              <a:buSzTx/>
+              <a:buFontTx/>
+              <a:buChar char="-"/>
+              <a:tabLst/>
+              <a:defRPr/>
+            </a:pPr>
+            <a:r>
               <a:rPr lang="en-US" altLang="ko-KR" dirty="0"/>
-              <a:t>persist : train</a:t>
+              <a:t>Rasa</a:t>
             </a:r>
             <a:r>
               <a:rPr lang="ko-KR" altLang="en-US" dirty="0"/>
-              <a:t>이 완료된 후 모델 </a:t>
-            </a:r>
-            <a:r>
-              <a:rPr lang="ko-KR" altLang="en-US" dirty="0" err="1"/>
-              <a:t>파라미터나</a:t>
-            </a:r>
-            <a:r>
-              <a:rPr lang="ko-KR" altLang="en-US" dirty="0"/>
-              <a:t> </a:t>
-            </a:r>
-            <a:r>
-              <a:rPr lang="en-US" altLang="ko-KR" dirty="0"/>
-              <a:t>vocab </a:t>
-            </a:r>
-            <a:r>
-              <a:rPr lang="ko-KR" altLang="en-US" dirty="0"/>
-              <a:t>과 같이</a:t>
-            </a:r>
-            <a:r>
-              <a:rPr lang="ko-KR" altLang="en-US" baseline="0" dirty="0"/>
-              <a:t> 모델 구성에 필요한 파일 저장</a:t>
-            </a:r>
-            <a:endParaRPr lang="en-US" altLang="ko-KR" baseline="0" dirty="0"/>
+              <a:t>내 한국어 특화 모델 부재 혹은 빈약 </a:t>
+            </a:r>
+            <a:endParaRPr lang="en-US" altLang="ko-KR" dirty="0"/>
           </a:p>
           <a:p>
             <a:pPr marL="171450" indent="-171450">
@@ -6760,24 +6756,8 @@
               <a:buChar char="-"/>
             </a:pPr>
             <a:r>
-              <a:rPr lang="en-US" altLang="ko-KR" baseline="0" dirty="0"/>
-              <a:t>load : persist</a:t>
-            </a:r>
-            <a:r>
-              <a:rPr lang="ko-KR" altLang="en-US" baseline="0" dirty="0"/>
-              <a:t>에서 저장한 파일을 불러옴 </a:t>
-            </a:r>
-            <a:r>
-              <a:rPr lang="en-US" altLang="ko-KR" baseline="0" dirty="0"/>
-              <a:t>(test, shell</a:t>
-            </a:r>
-            <a:r>
-              <a:rPr lang="ko-KR" altLang="en-US" baseline="0" dirty="0"/>
-              <a:t> 에서 진행</a:t>
-            </a:r>
-            <a:r>
-              <a:rPr lang="en-US" altLang="ko-KR" baseline="0" dirty="0"/>
-              <a:t>)</a:t>
+              <a:rPr lang="ko-KR" altLang="en-US" dirty="0"/>
+              <a:t>모델 고도화를 위해 빠르게 다양한 모델을 실험할 수 있는 환경 필요</a:t>
             </a:r>
             <a:endParaRPr lang="en-US" altLang="ko-KR" dirty="0"/>
           </a:p>
@@ -6800,7 +6780,7 @@
           <a:p>
             <a:fld id="{B8A155F3-8AE1-48DA-864B-73F9985F9839}" type="slidenum">
               <a:rPr lang="ko-KR" altLang="en-US" smtClean="0"/>
-              <a:t>4</a:t>
+              <a:t>3</a:t>
             </a:fld>
             <a:endParaRPr lang="ko-KR" altLang="en-US"/>
           </a:p>
@@ -6809,7 +6789,7 @@
     </p:spTree>
     <p:extLst>
       <p:ext uri="{BB962C8B-B14F-4D97-AF65-F5344CB8AC3E}">
-        <p14:creationId xmlns:p14="http://schemas.microsoft.com/office/powerpoint/2010/main" val="4272866405"/>
+        <p14:creationId xmlns:p14="http://schemas.microsoft.com/office/powerpoint/2010/main" val="2963479690"/>
       </p:ext>
     </p:extLst>
   </p:cSld>
@@ -6884,6 +6864,90 @@
           <a:p>
             <a:fld id="{B8A155F3-8AE1-48DA-864B-73F9985F9839}" type="slidenum">
               <a:rPr lang="ko-KR" altLang="en-US" smtClean="0"/>
+              <a:t>22</a:t>
+            </a:fld>
+            <a:endParaRPr lang="ko-KR" altLang="en-US"/>
+          </a:p>
+        </p:txBody>
+      </p:sp>
+    </p:spTree>
+    <p:extLst>
+      <p:ext uri="{BB962C8B-B14F-4D97-AF65-F5344CB8AC3E}">
+        <p14:creationId xmlns:p14="http://schemas.microsoft.com/office/powerpoint/2010/main" val="2795499331"/>
+      </p:ext>
+    </p:extLst>
+  </p:cSld>
+  <p:clrMapOvr>
+    <a:masterClrMapping/>
+  </p:clrMapOvr>
+</p:notes>
+</file>
+
+<file path=ppt/notesSlides/notesSlide21.xml><?xml version="1.0" encoding="utf-8"?>
+<p:notes xmlns:a="http://schemas.openxmlformats.org/drawingml/2006/main" xmlns:r="http://schemas.openxmlformats.org/officeDocument/2006/relationships" xmlns:p="http://schemas.openxmlformats.org/presentationml/2006/main">
+  <p:cSld>
+    <p:spTree>
+      <p:nvGrpSpPr>
+        <p:cNvPr id="1" name=""/>
+        <p:cNvGrpSpPr/>
+        <p:nvPr/>
+      </p:nvGrpSpPr>
+      <p:grpSpPr>
+        <a:xfrm>
+          <a:off x="0" y="0"/>
+          <a:ext cx="0" cy="0"/>
+          <a:chOff x="0" y="0"/>
+          <a:chExt cx="0" cy="0"/>
+        </a:xfrm>
+      </p:grpSpPr>
+      <p:sp>
+        <p:nvSpPr>
+          <p:cNvPr id="2" name="슬라이드 이미지 개체 틀 1"/>
+          <p:cNvSpPr>
+            <a:spLocks noGrp="1" noRot="1" noChangeAspect="1"/>
+          </p:cNvSpPr>
+          <p:nvPr>
+            <p:ph type="sldImg"/>
+          </p:nvPr>
+        </p:nvSpPr>
+        <p:spPr/>
+      </p:sp>
+      <p:sp>
+        <p:nvSpPr>
+          <p:cNvPr id="3" name="슬라이드 노트 개체 틀 2"/>
+          <p:cNvSpPr>
+            <a:spLocks noGrp="1"/>
+          </p:cNvSpPr>
+          <p:nvPr>
+            <p:ph type="body" idx="1"/>
+          </p:nvPr>
+        </p:nvSpPr>
+        <p:spPr/>
+        <p:txBody>
+          <a:bodyPr/>
+          <a:lstStyle/>
+          <a:p>
+            <a:endParaRPr lang="ko-KR" altLang="en-US" dirty="0"/>
+          </a:p>
+        </p:txBody>
+      </p:sp>
+      <p:sp>
+        <p:nvSpPr>
+          <p:cNvPr id="4" name="슬라이드 번호 개체 틀 3"/>
+          <p:cNvSpPr>
+            <a:spLocks noGrp="1"/>
+          </p:cNvSpPr>
+          <p:nvPr>
+            <p:ph type="sldNum" sz="quarter" idx="10"/>
+          </p:nvPr>
+        </p:nvSpPr>
+        <p:spPr/>
+        <p:txBody>
+          <a:bodyPr/>
+          <a:lstStyle/>
+          <a:p>
+            <a:fld id="{B8A155F3-8AE1-48DA-864B-73F9985F9839}" type="slidenum">
+              <a:rPr lang="ko-KR" altLang="en-US" smtClean="0"/>
               <a:t>23</a:t>
             </a:fld>
             <a:endParaRPr lang="ko-KR" altLang="en-US"/>
@@ -6903,7 +6967,7 @@
 </p:notes>
 </file>
 
-<file path=ppt/notesSlides/notesSlide21.xml><?xml version="1.0" encoding="utf-8"?>
+<file path=ppt/notesSlides/notesSlide22.xml><?xml version="1.0" encoding="utf-8"?>
 <p:notes xmlns:a="http://schemas.openxmlformats.org/drawingml/2006/main" xmlns:r="http://schemas.openxmlformats.org/officeDocument/2006/relationships" xmlns:p="http://schemas.openxmlformats.org/presentationml/2006/main">
   <p:cSld>
     <p:spTree>
@@ -7031,45 +7095,194 @@
           <a:bodyPr/>
           <a:lstStyle/>
           <a:p>
+            <a:pPr marL="171450" indent="-171450">
+              <a:buFontTx/>
+              <a:buChar char="-"/>
+            </a:pPr>
+            <a:r>
+              <a:rPr lang="en-US" altLang="ko-KR" dirty="0" err="1"/>
+              <a:t>init</a:t>
+            </a:r>
+            <a:r>
+              <a:rPr lang="en-US" altLang="ko-KR" baseline="0" dirty="0"/>
+              <a:t> : </a:t>
+            </a:r>
+            <a:r>
+              <a:rPr lang="ko-KR" altLang="en-US" baseline="0" dirty="0" err="1"/>
+              <a:t>파이썬에서</a:t>
+            </a:r>
+            <a:r>
+              <a:rPr lang="ko-KR" altLang="en-US" baseline="0" dirty="0"/>
+              <a:t> 객체 생성시 쓰이는 함수</a:t>
+            </a:r>
+            <a:r>
+              <a:rPr lang="en-US" altLang="ko-KR" baseline="0" dirty="0"/>
+              <a:t>. </a:t>
+            </a:r>
+            <a:r>
+              <a:rPr lang="en-US" altLang="ko-KR" baseline="0" dirty="0" err="1"/>
+              <a:t>Config</a:t>
+            </a:r>
+            <a:r>
+              <a:rPr lang="en-US" altLang="ko-KR" baseline="0" dirty="0"/>
+              <a:t> </a:t>
+            </a:r>
+            <a:r>
+              <a:rPr lang="ko-KR" altLang="en-US" baseline="0" dirty="0"/>
+              <a:t>정의 </a:t>
+            </a:r>
+            <a:r>
+              <a:rPr lang="en-US" altLang="ko-KR" baseline="0" dirty="0"/>
+              <a:t>/ </a:t>
+            </a:r>
+            <a:r>
+              <a:rPr lang="ko-KR" altLang="en-US" baseline="0" dirty="0"/>
+              <a:t>데이터 검증</a:t>
+            </a:r>
+            <a:endParaRPr lang="en-US" altLang="ko-KR" baseline="0" dirty="0"/>
+          </a:p>
+          <a:p>
+            <a:pPr marL="171450" indent="-171450">
+              <a:buFontTx/>
+              <a:buChar char="-"/>
+            </a:pPr>
+            <a:r>
+              <a:rPr lang="en-US" altLang="ko-KR" baseline="0" dirty="0"/>
+              <a:t>train : </a:t>
+            </a:r>
+            <a:r>
+              <a:rPr lang="ko-KR" altLang="en-US" baseline="0" dirty="0"/>
+              <a:t>학습할 모델이 있는 경우 </a:t>
+            </a:r>
+            <a:r>
+              <a:rPr lang="en-US" altLang="ko-KR" baseline="0" dirty="0"/>
+              <a:t>train </a:t>
+            </a:r>
+            <a:r>
+              <a:rPr lang="ko-KR" altLang="en-US" baseline="0" dirty="0"/>
+              <a:t>에서 학습 진행</a:t>
+            </a:r>
+            <a:r>
+              <a:rPr lang="en-US" altLang="ko-KR" baseline="0" dirty="0"/>
+              <a:t>. Tokenizer</a:t>
+            </a:r>
+            <a:r>
+              <a:rPr lang="ko-KR" altLang="en-US" baseline="0" dirty="0"/>
+              <a:t>와 </a:t>
+            </a:r>
+            <a:r>
+              <a:rPr lang="en-US" altLang="ko-KR" baseline="0" dirty="0" err="1"/>
+              <a:t>featurizer</a:t>
+            </a:r>
+            <a:r>
+              <a:rPr lang="ko-KR" altLang="en-US" baseline="0" dirty="0"/>
+              <a:t>의 경우 뒤에 진행될 </a:t>
+            </a:r>
+            <a:r>
+              <a:rPr lang="en-US" altLang="ko-KR" baseline="0" dirty="0" err="1"/>
+              <a:t>componen</a:t>
+            </a:r>
+            <a:r>
+              <a:rPr lang="ko-KR" altLang="en-US" baseline="0" dirty="0"/>
+              <a:t>를 위해 모든 </a:t>
+            </a:r>
+            <a:r>
+              <a:rPr lang="en-US" altLang="ko-KR" baseline="0" dirty="0"/>
+              <a:t>train data</a:t>
+            </a:r>
+            <a:r>
+              <a:rPr lang="ko-KR" altLang="en-US" baseline="0" dirty="0"/>
+              <a:t>에 프로세스 진행</a:t>
+            </a:r>
+            <a:endParaRPr lang="en-US" altLang="ko-KR" baseline="0" dirty="0"/>
+          </a:p>
+          <a:p>
+            <a:pPr marL="171450" indent="-171450">
+              <a:buFontTx/>
+              <a:buChar char="-"/>
+            </a:pPr>
+            <a:r>
+              <a:rPr lang="en-US" altLang="ko-KR" baseline="0" dirty="0"/>
+              <a:t>process : </a:t>
+            </a:r>
+            <a:r>
+              <a:rPr lang="ko-KR" altLang="en-US" baseline="0" dirty="0"/>
+              <a:t>각 컴포넌트가 목적으로 하는 일을 수행</a:t>
+            </a:r>
+            <a:r>
+              <a:rPr lang="en-US" altLang="ko-KR" baseline="0" dirty="0"/>
+              <a:t>. (test, shell </a:t>
+            </a:r>
+            <a:r>
+              <a:rPr lang="ko-KR" altLang="en-US" baseline="0" dirty="0"/>
+              <a:t>에서 진행</a:t>
+            </a:r>
+            <a:r>
+              <a:rPr lang="en-US" altLang="ko-KR" baseline="0" dirty="0"/>
+              <a:t>)</a:t>
+            </a:r>
+          </a:p>
+          <a:p>
+            <a:pPr marL="171450" indent="-171450">
+              <a:buFontTx/>
+              <a:buChar char="-"/>
+            </a:pPr>
             <a:r>
               <a:rPr lang="en-US" altLang="ko-KR" dirty="0"/>
-              <a:t>Tokenizer</a:t>
-            </a:r>
-          </a:p>
-          <a:p>
+              <a:t>persist : train</a:t>
+            </a:r>
+            <a:r>
+              <a:rPr lang="ko-KR" altLang="en-US" dirty="0"/>
+              <a:t>이 완료된 후 모델 </a:t>
+            </a:r>
+            <a:r>
+              <a:rPr lang="ko-KR" altLang="en-US" dirty="0" err="1"/>
+              <a:t>파라미터나</a:t>
+            </a:r>
+            <a:r>
+              <a:rPr lang="ko-KR" altLang="en-US" dirty="0"/>
+              <a:t> </a:t>
+            </a:r>
+            <a:r>
+              <a:rPr lang="en-US" altLang="ko-KR" dirty="0"/>
+              <a:t>vocab </a:t>
+            </a:r>
+            <a:r>
+              <a:rPr lang="ko-KR" altLang="en-US" dirty="0"/>
+              <a:t>과 같이</a:t>
+            </a:r>
+            <a:r>
+              <a:rPr lang="ko-KR" altLang="en-US" baseline="0" dirty="0"/>
+              <a:t> 모델 구성에 필요한 파일 저장</a:t>
+            </a:r>
             <a:endParaRPr lang="en-US" altLang="ko-KR" baseline="0" dirty="0"/>
           </a:p>
           <a:p>
-            <a:endParaRPr lang="en-US" altLang="ko-KR" baseline="0" dirty="0"/>
-          </a:p>
-          <a:p>
-            <a:r>
-              <a:rPr lang="en-US" altLang="ko-KR" baseline="0" dirty="0" err="1"/>
-              <a:t>Mecab</a:t>
-            </a:r>
-            <a:endParaRPr lang="en-US" altLang="ko-KR" baseline="0" dirty="0"/>
-          </a:p>
-          <a:p>
+            <a:pPr marL="171450" indent="-171450">
+              <a:buFontTx/>
+              <a:buChar char="-"/>
+            </a:pPr>
             <a:r>
               <a:rPr lang="en-US" altLang="ko-KR" baseline="0" dirty="0"/>
-              <a:t>- </a:t>
+              <a:t>load : persist</a:t>
             </a:r>
             <a:r>
               <a:rPr lang="ko-KR" altLang="en-US" baseline="0" dirty="0"/>
-              <a:t>어미나 조사 변형이 많기 때문에 어느정도 사람이 정한 분류 방법을 따르는 것이 성능에 유의미한 도움을 주는 것으로 보임</a:t>
-            </a:r>
-            <a:endParaRPr lang="en-US" altLang="ko-KR" baseline="0" dirty="0"/>
-          </a:p>
-          <a:p>
+              <a:t>에서 저장한 파일을 불러옴 </a:t>
+            </a:r>
             <a:r>
               <a:rPr lang="en-US" altLang="ko-KR" baseline="0" dirty="0"/>
-              <a:t>- </a:t>
+              <a:t>(test, shell</a:t>
             </a:r>
             <a:r>
               <a:rPr lang="ko-KR" altLang="en-US" baseline="0" dirty="0"/>
-              <a:t>빠른 속도는 실시간 처리가 필요한 대화 모델에서 중요한 장점으로 작용</a:t>
-            </a:r>
-            <a:endParaRPr lang="en-US" altLang="ko-KR" baseline="0" dirty="0"/>
+              <a:t> 에서 진행</a:t>
+            </a:r>
+            <a:r>
+              <a:rPr lang="en-US" altLang="ko-KR" baseline="0" dirty="0"/>
+              <a:t>)</a:t>
+            </a:r>
+            <a:endParaRPr lang="en-US" altLang="ko-KR" dirty="0"/>
           </a:p>
         </p:txBody>
       </p:sp>
@@ -7090,16 +7303,16 @@
           <a:p>
             <a:fld id="{B8A155F3-8AE1-48DA-864B-73F9985F9839}" type="slidenum">
               <a:rPr lang="ko-KR" altLang="en-US" smtClean="0"/>
-              <a:t>5</a:t>
+              <a:t>4</a:t>
             </a:fld>
-            <a:endParaRPr lang="ko-KR" altLang="en-US" dirty="0"/>
+            <a:endParaRPr lang="ko-KR" altLang="en-US"/>
           </a:p>
         </p:txBody>
       </p:sp>
     </p:spTree>
     <p:extLst>
       <p:ext uri="{BB962C8B-B14F-4D97-AF65-F5344CB8AC3E}">
-        <p14:creationId xmlns:p14="http://schemas.microsoft.com/office/powerpoint/2010/main" val="1954734940"/>
+        <p14:creationId xmlns:p14="http://schemas.microsoft.com/office/powerpoint/2010/main" val="4272866405"/>
       </p:ext>
     </p:extLst>
   </p:cSld>
@@ -7154,14 +7367,44 @@
           <a:lstStyle/>
           <a:p>
             <a:r>
-              <a:rPr lang="ko-KR" altLang="en-US" dirty="0"/>
-              <a:t>제가 직접 비교한 건</a:t>
+              <a:rPr lang="en-US" altLang="ko-KR" dirty="0"/>
+              <a:t>Tokenizer</a:t>
+            </a:r>
+          </a:p>
+          <a:p>
+            <a:endParaRPr lang="en-US" altLang="ko-KR" baseline="0" dirty="0"/>
+          </a:p>
+          <a:p>
+            <a:endParaRPr lang="en-US" altLang="ko-KR" baseline="0" dirty="0"/>
+          </a:p>
+          <a:p>
+            <a:r>
+              <a:rPr lang="en-US" altLang="ko-KR" baseline="0" dirty="0" err="1"/>
+              <a:t>Mecab</a:t>
+            </a:r>
+            <a:endParaRPr lang="en-US" altLang="ko-KR" baseline="0" dirty="0"/>
+          </a:p>
+          <a:p>
+            <a:r>
+              <a:rPr lang="en-US" altLang="ko-KR" baseline="0" dirty="0"/>
+              <a:t>- </a:t>
             </a:r>
             <a:r>
               <a:rPr lang="ko-KR" altLang="en-US" baseline="0" dirty="0"/>
-              <a:t> 아니고 블로그에서 참고한 자료</a:t>
-            </a:r>
-            <a:endParaRPr lang="ko-KR" altLang="en-US" dirty="0"/>
+              <a:t>어미나 조사 변형이 많기 때문에 어느정도 사람이 정한 분류 방법을 따르는 것이 성능에 유의미한 도움을 주는 것으로 보임</a:t>
+            </a:r>
+            <a:endParaRPr lang="en-US" altLang="ko-KR" baseline="0" dirty="0"/>
+          </a:p>
+          <a:p>
+            <a:r>
+              <a:rPr lang="en-US" altLang="ko-KR" baseline="0" dirty="0"/>
+              <a:t>- </a:t>
+            </a:r>
+            <a:r>
+              <a:rPr lang="ko-KR" altLang="en-US" baseline="0" dirty="0"/>
+              <a:t>빠른 속도는 실시간 처리가 필요한 대화 모델에서 중요한 장점으로 작용</a:t>
+            </a:r>
+            <a:endParaRPr lang="en-US" altLang="ko-KR" baseline="0" dirty="0"/>
           </a:p>
         </p:txBody>
       </p:sp>
@@ -7182,7 +7425,7 @@
           <a:p>
             <a:fld id="{B8A155F3-8AE1-48DA-864B-73F9985F9839}" type="slidenum">
               <a:rPr lang="ko-KR" altLang="en-US" smtClean="0"/>
-              <a:t>6</a:t>
+              <a:t>5</a:t>
             </a:fld>
             <a:endParaRPr lang="ko-KR" altLang="en-US" dirty="0"/>
           </a:p>
@@ -7191,7 +7434,7 @@
     </p:spTree>
     <p:extLst>
       <p:ext uri="{BB962C8B-B14F-4D97-AF65-F5344CB8AC3E}">
-        <p14:creationId xmlns:p14="http://schemas.microsoft.com/office/powerpoint/2010/main" val="2457844259"/>
+        <p14:creationId xmlns:p14="http://schemas.microsoft.com/office/powerpoint/2010/main" val="1954734940"/>
       </p:ext>
     </p:extLst>
   </p:cSld>
@@ -7245,204 +7488,13 @@
           <a:bodyPr/>
           <a:lstStyle/>
           <a:p>
-            <a:pPr marL="171450" indent="-171450">
-              <a:buFontTx/>
-              <a:buChar char="-"/>
-            </a:pPr>
             <a:r>
               <a:rPr lang="ko-KR" altLang="en-US" dirty="0"/>
-              <a:t>먼저 </a:t>
-            </a:r>
-            <a:r>
-              <a:rPr lang="en-US" altLang="ko-KR" dirty="0" err="1"/>
-              <a:t>konlpy</a:t>
+              <a:t>제가 직접 비교한 건</a:t>
             </a:r>
             <a:r>
               <a:rPr lang="ko-KR" altLang="en-US" baseline="0" dirty="0"/>
-              <a:t> 라이브러리와 </a:t>
-            </a:r>
-            <a:r>
-              <a:rPr lang="en-US" altLang="ko-KR" baseline="0" dirty="0" err="1"/>
-              <a:t>mecab</a:t>
-            </a:r>
-            <a:r>
-              <a:rPr lang="ko-KR" altLang="en-US" baseline="0" dirty="0"/>
-              <a:t>을 설치합니다</a:t>
-            </a:r>
-            <a:r>
-              <a:rPr lang="en-US" altLang="ko-KR" baseline="0" dirty="0"/>
-              <a:t>. </a:t>
-            </a:r>
-            <a:r>
-              <a:rPr lang="en-US" altLang="ko-KR" baseline="0" dirty="0" err="1"/>
-              <a:t>Mecab</a:t>
-            </a:r>
-            <a:r>
-              <a:rPr lang="ko-KR" altLang="en-US" baseline="0" dirty="0"/>
-              <a:t>을 정상적으로 설치하면 </a:t>
-            </a:r>
-            <a:r>
-              <a:rPr lang="en-US" altLang="ko-KR" baseline="0" dirty="0" err="1"/>
-              <a:t>mecab</a:t>
-            </a:r>
-            <a:r>
-              <a:rPr lang="en-US" altLang="ko-KR" baseline="0" dirty="0"/>
-              <a:t> </a:t>
-            </a:r>
-            <a:r>
-              <a:rPr lang="ko-KR" altLang="en-US" baseline="0" dirty="0"/>
-              <a:t>기본 디렉토리와 한국어 사전 디렉토리가 만들어집니다</a:t>
-            </a:r>
-            <a:r>
-              <a:rPr lang="en-US" altLang="ko-KR" baseline="0" dirty="0"/>
-              <a:t>.</a:t>
-            </a:r>
-          </a:p>
-          <a:p>
-            <a:pPr marL="171450" indent="-171450">
-              <a:buFontTx/>
-              <a:buChar char="-"/>
-            </a:pPr>
-            <a:r>
-              <a:rPr lang="en-US" altLang="ko-KR" baseline="0" dirty="0" err="1"/>
-              <a:t>Mecab</a:t>
-            </a:r>
-            <a:r>
-              <a:rPr lang="en-US" altLang="ko-KR" baseline="0" dirty="0"/>
-              <a:t> </a:t>
-            </a:r>
-            <a:r>
-              <a:rPr lang="ko-KR" altLang="en-US" baseline="0" dirty="0"/>
-              <a:t>객체를 정상적으로 불러오기 위해서 한국어 사전 경로 지정이 필요합니다</a:t>
-            </a:r>
-            <a:r>
-              <a:rPr lang="en-US" altLang="ko-KR" baseline="0" dirty="0"/>
-              <a:t>. </a:t>
-            </a:r>
-            <a:r>
-              <a:rPr lang="ko-KR" altLang="en-US" baseline="0" dirty="0"/>
-              <a:t>개발 </a:t>
-            </a:r>
-            <a:r>
-              <a:rPr lang="ko-KR" altLang="en-US" baseline="0" dirty="0" err="1"/>
-              <a:t>환경마다</a:t>
-            </a:r>
-            <a:r>
-              <a:rPr lang="ko-KR" altLang="en-US" baseline="0" dirty="0"/>
-              <a:t> 경로가 다를 수 있기 때문에 </a:t>
-            </a:r>
-            <a:r>
-              <a:rPr lang="en-US" altLang="ko-KR" baseline="0" dirty="0" err="1"/>
-              <a:t>config</a:t>
-            </a:r>
-            <a:r>
-              <a:rPr lang="en-US" altLang="ko-KR" baseline="0" dirty="0"/>
-              <a:t> file</a:t>
-            </a:r>
-            <a:r>
-              <a:rPr lang="ko-KR" altLang="en-US" baseline="0" dirty="0"/>
-              <a:t>에서 </a:t>
-            </a:r>
-            <a:r>
-              <a:rPr lang="ko-KR" altLang="en-US" baseline="0" dirty="0" err="1"/>
-              <a:t>변경가능한</a:t>
-            </a:r>
-            <a:r>
-              <a:rPr lang="ko-KR" altLang="en-US" baseline="0" dirty="0"/>
-              <a:t> 매개변수로 만들었습니다</a:t>
-            </a:r>
-            <a:r>
-              <a:rPr lang="en-US" altLang="ko-KR" baseline="0" dirty="0"/>
-              <a:t>.</a:t>
-            </a:r>
-            <a:r>
-              <a:rPr lang="ko-KR" altLang="en-US" baseline="0" dirty="0"/>
-              <a:t> </a:t>
-            </a:r>
-            <a:endParaRPr lang="en-US" altLang="ko-KR" baseline="0" dirty="0"/>
-          </a:p>
-          <a:p>
-            <a:pPr marL="171450" indent="-171450">
-              <a:buFontTx/>
-              <a:buChar char="-"/>
-            </a:pPr>
-            <a:r>
-              <a:rPr lang="ko-KR" altLang="en-US" baseline="0" dirty="0"/>
-              <a:t>메시지를 </a:t>
-            </a:r>
-            <a:r>
-              <a:rPr lang="en-US" altLang="ko-KR" baseline="0" dirty="0"/>
-              <a:t>Tokenize </a:t>
-            </a:r>
-            <a:r>
-              <a:rPr lang="ko-KR" altLang="en-US" baseline="0" dirty="0"/>
-              <a:t>한 다음 잘라진 텍스트 뿐만 아니라 형태소도 같이 </a:t>
-            </a:r>
-            <a:r>
-              <a:rPr lang="en-US" altLang="ko-KR" baseline="0" dirty="0"/>
-              <a:t>attribute</a:t>
-            </a:r>
-            <a:r>
-              <a:rPr lang="ko-KR" altLang="en-US" baseline="0" dirty="0"/>
-              <a:t>로 저장을 했습니다</a:t>
-            </a:r>
-            <a:r>
-              <a:rPr lang="en-US" altLang="ko-KR" baseline="0" dirty="0"/>
-              <a:t>. </a:t>
-            </a:r>
-            <a:r>
-              <a:rPr lang="ko-KR" altLang="en-US" baseline="0" dirty="0"/>
-              <a:t>예를 들어 조사로 쓰이는 수와 명사로 쓰이는 수가 의미가 다르기 때문에 이를 구별하기 위해 저장을 하고</a:t>
-            </a:r>
-            <a:r>
-              <a:rPr lang="en-US" altLang="ko-KR" baseline="0" dirty="0"/>
-              <a:t>, </a:t>
-            </a:r>
-            <a:r>
-              <a:rPr lang="ko-KR" altLang="en-US" baseline="0" dirty="0"/>
-              <a:t>뒤 </a:t>
-            </a:r>
-            <a:r>
-              <a:rPr lang="en-US" altLang="ko-KR" baseline="0" dirty="0" err="1"/>
-              <a:t>featurizer</a:t>
-            </a:r>
-            <a:r>
-              <a:rPr lang="ko-KR" altLang="en-US" baseline="0" dirty="0"/>
-              <a:t>에서 불러옵니다</a:t>
-            </a:r>
-            <a:r>
-              <a:rPr lang="en-US" altLang="ko-KR" baseline="0" dirty="0"/>
-              <a:t>.</a:t>
-            </a:r>
-          </a:p>
-          <a:p>
-            <a:pPr marL="171450" indent="-171450">
-              <a:buFontTx/>
-              <a:buChar char="-"/>
-            </a:pPr>
-            <a:r>
-              <a:rPr lang="en-US" altLang="ko-KR" baseline="0" dirty="0"/>
-              <a:t>Persist</a:t>
-            </a:r>
-            <a:r>
-              <a:rPr lang="ko-KR" altLang="en-US" baseline="0" dirty="0"/>
-              <a:t>에서는 할당된 </a:t>
-            </a:r>
-            <a:r>
-              <a:rPr lang="en-US" altLang="ko-KR" baseline="0" dirty="0" err="1"/>
-              <a:t>mecab</a:t>
-            </a:r>
-            <a:r>
-              <a:rPr lang="en-US" altLang="ko-KR" baseline="0" dirty="0"/>
-              <a:t> </a:t>
-            </a:r>
-            <a:r>
-              <a:rPr lang="ko-KR" altLang="en-US" baseline="0" dirty="0"/>
-              <a:t>객체를 제거해주는 과정이 필요합니다</a:t>
-            </a:r>
-            <a:r>
-              <a:rPr lang="en-US" altLang="ko-KR" baseline="0" dirty="0"/>
-              <a:t>.</a:t>
+              <a:t> 아니고 블로그에서 참고한 자료</a:t>
             </a:r>
             <a:endParaRPr lang="ko-KR" altLang="en-US" dirty="0"/>
           </a:p>
@@ -7465,7 +7517,7 @@
           <a:p>
             <a:fld id="{B8A155F3-8AE1-48DA-864B-73F9985F9839}" type="slidenum">
               <a:rPr lang="ko-KR" altLang="en-US" smtClean="0"/>
-              <a:t>7</a:t>
+              <a:t>6</a:t>
             </a:fld>
             <a:endParaRPr lang="ko-KR" altLang="en-US" dirty="0"/>
           </a:p>
@@ -7474,7 +7526,7 @@
     </p:spTree>
     <p:extLst>
       <p:ext uri="{BB962C8B-B14F-4D97-AF65-F5344CB8AC3E}">
-        <p14:creationId xmlns:p14="http://schemas.microsoft.com/office/powerpoint/2010/main" val="4029128392"/>
+        <p14:creationId xmlns:p14="http://schemas.microsoft.com/office/powerpoint/2010/main" val="2457844259"/>
       </p:ext>
     </p:extLst>
   </p:cSld>
@@ -7528,42 +7580,58 @@
           <a:bodyPr/>
           <a:lstStyle/>
           <a:p>
-            <a:r>
-              <a:rPr lang="en-US" altLang="ko-KR" dirty="0" err="1"/>
-              <a:t>Featurizer</a:t>
-            </a:r>
-            <a:endParaRPr lang="en-US" altLang="ko-KR" dirty="0"/>
-          </a:p>
-          <a:p>
             <a:pPr marL="171450" indent="-171450">
               <a:buFontTx/>
               <a:buChar char="-"/>
             </a:pPr>
             <a:r>
+              <a:rPr lang="ko-KR" altLang="en-US" dirty="0"/>
+              <a:t>먼저 </a:t>
+            </a:r>
+            <a:r>
+              <a:rPr lang="en-US" altLang="ko-KR" dirty="0" err="1"/>
+              <a:t>konlpy</a:t>
+            </a:r>
+            <a:r>
+              <a:rPr lang="ko-KR" altLang="en-US" baseline="0" dirty="0"/>
+              <a:t> 라이브러리와 </a:t>
+            </a:r>
+            <a:r>
+              <a:rPr lang="en-US" altLang="ko-KR" baseline="0" dirty="0" err="1"/>
+              <a:t>mecab</a:t>
+            </a:r>
+            <a:r>
+              <a:rPr lang="ko-KR" altLang="en-US" baseline="0" dirty="0"/>
+              <a:t>을 설치합니다</a:t>
+            </a:r>
+            <a:r>
               <a:rPr lang="en-US" altLang="ko-KR" baseline="0" dirty="0"/>
-              <a:t>Sparse feature</a:t>
+              <a:t>. </a:t>
+            </a:r>
+            <a:r>
+              <a:rPr lang="en-US" altLang="ko-KR" baseline="0" dirty="0" err="1"/>
+              <a:t>Mecab</a:t>
             </a:r>
             <a:r>
               <a:rPr lang="ko-KR" altLang="en-US" baseline="0" dirty="0"/>
-              <a:t>와 </a:t>
+              <a:t>을 정상적으로 설치하면 </a:t>
+            </a:r>
+            <a:r>
+              <a:rPr lang="en-US" altLang="ko-KR" baseline="0" dirty="0" err="1"/>
+              <a:t>mecab</a:t>
             </a:r>
             <a:r>
               <a:rPr lang="en-US" altLang="ko-KR" baseline="0" dirty="0"/>
-              <a:t>dense feature</a:t>
+              <a:t> </a:t>
             </a:r>
             <a:r>
               <a:rPr lang="ko-KR" altLang="en-US" baseline="0" dirty="0"/>
-              <a:t>은 </a:t>
+              <a:t>기본 디렉토리와 한국어 사전 디렉토리가 만들어집니다</a:t>
             </a:r>
             <a:r>
               <a:rPr lang="en-US" altLang="ko-KR" baseline="0" dirty="0"/>
-              <a:t>extractor/classifier</a:t>
-            </a:r>
-            <a:r>
-              <a:rPr lang="ko-KR" altLang="en-US" baseline="0" dirty="0"/>
-              <a:t>에서 합쳐져 모델의 입력으로 들어감</a:t>
-            </a:r>
-            <a:endParaRPr lang="en-US" altLang="ko-KR" baseline="0" dirty="0"/>
+              <a:t>.</a:t>
+            </a:r>
           </a:p>
           <a:p>
             <a:pPr marL="171450" indent="-171450">
@@ -7571,20 +7639,8 @@
               <a:buChar char="-"/>
             </a:pPr>
             <a:r>
-              <a:rPr lang="en-US" altLang="ko-KR" baseline="0" dirty="0"/>
-              <a:t>Sparse</a:t>
-            </a:r>
-            <a:r>
-              <a:rPr lang="ko-KR" altLang="en-US" baseline="0" dirty="0"/>
-              <a:t>의 경우 언어에 상관없이 내부 모델을 사용할 수 있는 반면</a:t>
-            </a:r>
-            <a:r>
-              <a:rPr lang="en-US" altLang="ko-KR" baseline="0" dirty="0"/>
-              <a:t>, dense </a:t>
-            </a:r>
-            <a:r>
               <a:rPr lang="en-US" altLang="ko-KR" baseline="0" dirty="0" err="1"/>
-              <a:t>featurizer</a:t>
+              <a:t>Mecab</a:t>
             </a:r>
             <a:r>
               <a:rPr lang="en-US" altLang="ko-KR" baseline="0" dirty="0"/>
@@ -7592,7 +7648,51 @@
             </a:r>
             <a:r>
               <a:rPr lang="ko-KR" altLang="en-US" baseline="0" dirty="0"/>
-              <a:t>영어 데이터만 사용 가능</a:t>
+              <a:t>객체를 정상적으로 불러오기 위해서 한국어 사전 경로 지정이 필요합니다</a:t>
+            </a:r>
+            <a:r>
+              <a:rPr lang="en-US" altLang="ko-KR" baseline="0" dirty="0"/>
+              <a:t>. </a:t>
+            </a:r>
+            <a:r>
+              <a:rPr lang="ko-KR" altLang="en-US" baseline="0" dirty="0"/>
+              <a:t>개발 </a:t>
+            </a:r>
+            <a:r>
+              <a:rPr lang="ko-KR" altLang="en-US" baseline="0" dirty="0" err="1"/>
+              <a:t>환경마다</a:t>
+            </a:r>
+            <a:r>
+              <a:rPr lang="ko-KR" altLang="en-US" baseline="0" dirty="0"/>
+              <a:t> 경로가 다를 수 있기 때문에 </a:t>
+            </a:r>
+            <a:r>
+              <a:rPr lang="en-US" altLang="ko-KR" baseline="0" dirty="0" err="1"/>
+              <a:t>config</a:t>
+            </a:r>
+            <a:r>
+              <a:rPr lang="en-US" altLang="ko-KR" baseline="0" dirty="0"/>
+              <a:t> file</a:t>
+            </a:r>
+            <a:r>
+              <a:rPr lang="ko-KR" altLang="en-US" baseline="0" dirty="0"/>
+              <a:t>에서 </a:t>
+            </a:r>
+            <a:r>
+              <a:rPr lang="ko-KR" altLang="en-US" baseline="0" dirty="0" err="1"/>
+              <a:t>변경가능한</a:t>
+            </a:r>
+            <a:r>
+              <a:rPr lang="ko-KR" altLang="en-US" baseline="0" dirty="0"/>
+              <a:t> 매개변수로 만들었습니다</a:t>
+            </a:r>
+            <a:r>
+              <a:rPr lang="en-US" altLang="ko-KR" baseline="0" dirty="0"/>
+              <a:t>.</a:t>
+            </a:r>
+            <a:r>
+              <a:rPr lang="ko-KR" altLang="en-US" baseline="0" dirty="0"/>
+              <a:t> </a:t>
             </a:r>
             <a:endParaRPr lang="en-US" altLang="ko-KR" baseline="0" dirty="0"/>
           </a:p>
@@ -7603,11 +7703,39 @@
             </a:pPr>
             <a:r>
               <a:rPr lang="ko-KR" altLang="en-US" baseline="0" dirty="0"/>
-              <a:t>따라서 </a:t>
+              <a:t>메시지를 </a:t>
             </a:r>
             <a:r>
               <a:rPr lang="en-US" altLang="ko-KR" baseline="0" dirty="0"/>
-              <a:t>Dense </a:t>
+              <a:t>Tokenize </a:t>
+            </a:r>
+            <a:r>
+              <a:rPr lang="ko-KR" altLang="en-US" baseline="0" dirty="0"/>
+              <a:t>한 다음 잘라진 텍스트 뿐만 아니라 형태소도 같이 </a:t>
+            </a:r>
+            <a:r>
+              <a:rPr lang="en-US" altLang="ko-KR" baseline="0" dirty="0"/>
+              <a:t>attribute</a:t>
+            </a:r>
+            <a:r>
+              <a:rPr lang="ko-KR" altLang="en-US" baseline="0" dirty="0"/>
+              <a:t>로 저장을 했습니다</a:t>
+            </a:r>
+            <a:r>
+              <a:rPr lang="en-US" altLang="ko-KR" baseline="0" dirty="0"/>
+              <a:t>. </a:t>
+            </a:r>
+            <a:r>
+              <a:rPr lang="ko-KR" altLang="en-US" baseline="0" dirty="0"/>
+              <a:t>예를 들어 조사로 쓰이는 수와 명사로 쓰이는 수가 의미가 다르기 때문에 이를 구별하기 위해 저장을 하고</a:t>
+            </a:r>
+            <a:r>
+              <a:rPr lang="en-US" altLang="ko-KR" baseline="0" dirty="0"/>
+              <a:t>, </a:t>
+            </a:r>
+            <a:r>
+              <a:rPr lang="ko-KR" altLang="en-US" baseline="0" dirty="0"/>
+              <a:t>뒤 </a:t>
             </a:r>
             <a:r>
               <a:rPr lang="en-US" altLang="ko-KR" baseline="0" dirty="0" err="1"/>
@@ -7615,98 +7743,29 @@
             </a:r>
             <a:r>
               <a:rPr lang="ko-KR" altLang="en-US" baseline="0" dirty="0"/>
-              <a:t>를 개발</a:t>
+              <a:t>에서 불러옵니다</a:t>
             </a:r>
             <a:r>
               <a:rPr lang="en-US" altLang="ko-KR" baseline="0" dirty="0"/>
-              <a:t>. Word </a:t>
-            </a:r>
-            <a:r>
-              <a:rPr lang="en-US" altLang="ko-KR" baseline="0" dirty="0" err="1"/>
-              <a:t>embeddin</a:t>
-            </a:r>
-            <a:r>
-              <a:rPr lang="ko-KR" altLang="en-US" baseline="0" dirty="0"/>
-              <a:t>과 </a:t>
-            </a:r>
-            <a:r>
-              <a:rPr lang="en-US" altLang="ko-KR" baseline="0" dirty="0"/>
-              <a:t>flair embedding </a:t>
-            </a:r>
-            <a:r>
-              <a:rPr lang="ko-KR" altLang="en-US" baseline="0" dirty="0"/>
-              <a:t>두 종류의 </a:t>
-            </a:r>
-            <a:r>
-              <a:rPr lang="en-US" altLang="ko-KR" baseline="0" dirty="0" err="1"/>
-              <a:t>featurizer</a:t>
-            </a:r>
-            <a:r>
-              <a:rPr lang="en-US" altLang="ko-KR" baseline="0" dirty="0"/>
-              <a:t> </a:t>
-            </a:r>
-            <a:r>
-              <a:rPr lang="ko-KR" altLang="en-US" baseline="0" dirty="0"/>
-              <a:t>개발</a:t>
-            </a:r>
-            <a:endParaRPr lang="en-US" altLang="ko-KR" baseline="0" dirty="0"/>
+              <a:t>.</a:t>
+            </a:r>
           </a:p>
           <a:p>
             <a:pPr marL="171450" indent="-171450">
               <a:buFontTx/>
               <a:buChar char="-"/>
             </a:pPr>
-            <a:endParaRPr lang="en-US" altLang="ko-KR" baseline="0" dirty="0"/>
-          </a:p>
-          <a:p>
-            <a:pPr marL="0" indent="0">
-              <a:buFontTx/>
-              <a:buNone/>
-            </a:pPr>
             <a:r>
               <a:rPr lang="en-US" altLang="ko-KR" baseline="0" dirty="0"/>
-              <a:t>Word Embedding</a:t>
-            </a:r>
-          </a:p>
-          <a:p>
-            <a:pPr marL="171450" indent="-171450">
-              <a:buFontTx/>
-              <a:buChar char="-"/>
-            </a:pPr>
+              <a:t>Persist</a:t>
+            </a:r>
             <a:r>
               <a:rPr lang="ko-KR" altLang="en-US" baseline="0" dirty="0"/>
-              <a:t>대표적인 방법으로 </a:t>
-            </a:r>
-            <a:r>
-              <a:rPr lang="en-US" altLang="ko-KR" baseline="0" dirty="0"/>
-              <a:t>Word2vec</a:t>
-            </a:r>
-            <a:r>
-              <a:rPr lang="ko-KR" altLang="en-US" baseline="0" dirty="0"/>
-              <a:t>과 </a:t>
+              <a:t>에서는 할당된 </a:t>
             </a:r>
             <a:r>
               <a:rPr lang="en-US" altLang="ko-KR" baseline="0" dirty="0" err="1"/>
-              <a:t>Fasttext</a:t>
-            </a:r>
-            <a:endParaRPr lang="en-US" altLang="ko-KR" baseline="0" dirty="0"/>
-          </a:p>
-          <a:p>
-            <a:pPr marL="171450" indent="-171450">
-              <a:buFontTx/>
-              <a:buChar char="-"/>
-            </a:pPr>
-            <a:r>
-              <a:rPr lang="en-US" altLang="ko-KR" baseline="0" dirty="0" err="1"/>
-              <a:t>Fasttext</a:t>
-            </a:r>
-            <a:r>
-              <a:rPr lang="ko-KR" altLang="en-US" baseline="0" dirty="0"/>
-              <a:t>의 경우 </a:t>
-            </a:r>
-            <a:r>
-              <a:rPr lang="en-US" altLang="ko-KR" baseline="0" dirty="0" err="1"/>
-              <a:t>subword</a:t>
+              <a:t>mecab</a:t>
             </a:r>
             <a:r>
               <a:rPr lang="en-US" altLang="ko-KR" baseline="0" dirty="0"/>
@@ -7714,57 +7773,13 @@
             </a:r>
             <a:r>
               <a:rPr lang="ko-KR" altLang="en-US" baseline="0" dirty="0"/>
-              <a:t>단위로 적용 가능하기 때문에 </a:t>
+              <a:t>객체를 제거해주는 과정이 필요합니다</a:t>
             </a:r>
             <a:r>
               <a:rPr lang="en-US" altLang="ko-KR" baseline="0" dirty="0"/>
-              <a:t>OOV </a:t>
-            </a:r>
-            <a:r>
-              <a:rPr lang="ko-KR" altLang="en-US" baseline="0" dirty="0"/>
-              <a:t>문제가 적고</a:t>
-            </a:r>
-            <a:r>
-              <a:rPr lang="en-US" altLang="ko-KR" baseline="0" dirty="0"/>
-              <a:t>, </a:t>
-            </a:r>
-            <a:r>
-              <a:rPr lang="ko-KR" altLang="en-US" baseline="0" dirty="0"/>
-              <a:t>한국어에서도 대체적으로 좋은 성능을 보임</a:t>
-            </a:r>
-            <a:endParaRPr lang="en-US" altLang="ko-KR" baseline="0" dirty="0"/>
-          </a:p>
-          <a:p>
-            <a:pPr marL="0" indent="0">
-              <a:buFontTx/>
-              <a:buNone/>
-            </a:pPr>
-            <a:endParaRPr lang="en-US" altLang="ko-KR" dirty="0"/>
-          </a:p>
-          <a:p>
-            <a:pPr marL="0" indent="0">
-              <a:buFontTx/>
-              <a:buNone/>
-            </a:pPr>
-            <a:r>
-              <a:rPr lang="en-US" altLang="ko-KR" dirty="0"/>
-              <a:t>Flair</a:t>
-            </a:r>
-            <a:r>
-              <a:rPr lang="en-US" altLang="ko-KR" baseline="0" dirty="0"/>
-              <a:t> Embedding</a:t>
-            </a:r>
-          </a:p>
-          <a:p>
-            <a:pPr marL="0" indent="0">
-              <a:buFontTx/>
-              <a:buNone/>
-            </a:pPr>
-            <a:r>
-              <a:rPr lang="en-US" altLang="ko-KR" baseline="0" dirty="0"/>
-              <a:t>- </a:t>
-            </a:r>
-            <a:endParaRPr lang="en-US" altLang="ko-KR" dirty="0"/>
+              <a:t>.</a:t>
+            </a:r>
+            <a:endParaRPr lang="ko-KR" altLang="en-US" dirty="0"/>
           </a:p>
         </p:txBody>
       </p:sp>
@@ -7785,16 +7800,16 @@
           <a:p>
             <a:fld id="{B8A155F3-8AE1-48DA-864B-73F9985F9839}" type="slidenum">
               <a:rPr lang="ko-KR" altLang="en-US" smtClean="0"/>
-              <a:t>8</a:t>
+              <a:t>7</a:t>
             </a:fld>
-            <a:endParaRPr lang="ko-KR" altLang="en-US"/>
+            <a:endParaRPr lang="ko-KR" altLang="en-US" dirty="0"/>
           </a:p>
         </p:txBody>
       </p:sp>
     </p:spTree>
     <p:extLst>
       <p:ext uri="{BB962C8B-B14F-4D97-AF65-F5344CB8AC3E}">
-        <p14:creationId xmlns:p14="http://schemas.microsoft.com/office/powerpoint/2010/main" val="1757487921"/>
+        <p14:creationId xmlns:p14="http://schemas.microsoft.com/office/powerpoint/2010/main" val="4029128392"/>
       </p:ext>
     </p:extLst>
   </p:cSld>
@@ -7848,7 +7863,243 @@
           <a:bodyPr/>
           <a:lstStyle/>
           <a:p>
-            <a:endParaRPr lang="ko-KR" altLang="en-US" dirty="0"/>
+            <a:r>
+              <a:rPr lang="en-US" altLang="ko-KR" dirty="0" err="1"/>
+              <a:t>Featurizer</a:t>
+            </a:r>
+            <a:endParaRPr lang="en-US" altLang="ko-KR" dirty="0"/>
+          </a:p>
+          <a:p>
+            <a:pPr marL="171450" indent="-171450">
+              <a:buFontTx/>
+              <a:buChar char="-"/>
+            </a:pPr>
+            <a:r>
+              <a:rPr lang="en-US" altLang="ko-KR" baseline="0" dirty="0"/>
+              <a:t>Sparse feature</a:t>
+            </a:r>
+            <a:r>
+              <a:rPr lang="ko-KR" altLang="en-US" baseline="0" dirty="0"/>
+              <a:t>와 </a:t>
+            </a:r>
+            <a:r>
+              <a:rPr lang="en-US" altLang="ko-KR" baseline="0" dirty="0"/>
+              <a:t>dense feature</a:t>
+            </a:r>
+            <a:r>
+              <a:rPr lang="ko-KR" altLang="en-US" baseline="0" dirty="0"/>
+              <a:t>은 </a:t>
+            </a:r>
+            <a:r>
+              <a:rPr lang="en-US" altLang="ko-KR" baseline="0" dirty="0"/>
+              <a:t>extractor/classifier</a:t>
+            </a:r>
+            <a:r>
+              <a:rPr lang="ko-KR" altLang="en-US" baseline="0" dirty="0"/>
+              <a:t>에서 합쳐져 모델의 입력으로 들어감</a:t>
+            </a:r>
+            <a:endParaRPr lang="en-US" altLang="ko-KR" baseline="0" dirty="0"/>
+          </a:p>
+          <a:p>
+            <a:pPr marL="171450" indent="-171450">
+              <a:buFontTx/>
+              <a:buChar char="-"/>
+            </a:pPr>
+            <a:r>
+              <a:rPr lang="en-US" altLang="ko-KR" baseline="0" dirty="0"/>
+              <a:t>Sparse</a:t>
+            </a:r>
+            <a:r>
+              <a:rPr lang="ko-KR" altLang="en-US" baseline="0" dirty="0"/>
+              <a:t>의 경우 언어에 상관없이 내부 모델을 사용할 수 있는 반면</a:t>
+            </a:r>
+            <a:r>
+              <a:rPr lang="en-US" altLang="ko-KR" baseline="0" dirty="0"/>
+              <a:t>, dense </a:t>
+            </a:r>
+            <a:r>
+              <a:rPr lang="en-US" altLang="ko-KR" baseline="0" dirty="0" err="1"/>
+              <a:t>featurizer</a:t>
+            </a:r>
+            <a:r>
+              <a:rPr lang="en-US" altLang="ko-KR" baseline="0" dirty="0"/>
+              <a:t> </a:t>
+            </a:r>
+            <a:r>
+              <a:rPr lang="ko-KR" altLang="en-US" baseline="0" dirty="0"/>
+              <a:t>영어 데이터만 사용 가능</a:t>
+            </a:r>
+            <a:endParaRPr lang="en-US" altLang="ko-KR" baseline="0" dirty="0"/>
+          </a:p>
+          <a:p>
+            <a:pPr marL="171450" indent="-171450">
+              <a:buFontTx/>
+              <a:buChar char="-"/>
+            </a:pPr>
+            <a:r>
+              <a:rPr lang="ko-KR" altLang="en-US" baseline="0" dirty="0"/>
+              <a:t>따라서 </a:t>
+            </a:r>
+            <a:r>
+              <a:rPr lang="en-US" altLang="ko-KR" baseline="0" dirty="0"/>
+              <a:t>Dense </a:t>
+            </a:r>
+            <a:r>
+              <a:rPr lang="en-US" altLang="ko-KR" baseline="0" dirty="0" err="1"/>
+              <a:t>featurizer</a:t>
+            </a:r>
+            <a:r>
+              <a:rPr lang="ko-KR" altLang="en-US" baseline="0" dirty="0"/>
+              <a:t>를 개발</a:t>
+            </a:r>
+            <a:r>
+              <a:rPr lang="en-US" altLang="ko-KR" baseline="0" dirty="0"/>
+              <a:t>. Word </a:t>
+            </a:r>
+            <a:r>
+              <a:rPr lang="en-US" altLang="ko-KR" baseline="0" dirty="0" err="1"/>
+              <a:t>embeddin</a:t>
+            </a:r>
+            <a:r>
+              <a:rPr lang="ko-KR" altLang="en-US" baseline="0" dirty="0"/>
+              <a:t>과 </a:t>
+            </a:r>
+            <a:r>
+              <a:rPr lang="en-US" altLang="ko-KR" baseline="0" dirty="0"/>
+              <a:t>flair embedding </a:t>
+            </a:r>
+            <a:r>
+              <a:rPr lang="ko-KR" altLang="en-US" baseline="0" dirty="0"/>
+              <a:t>두 종류의 </a:t>
+            </a:r>
+            <a:r>
+              <a:rPr lang="en-US" altLang="ko-KR" baseline="0" dirty="0" err="1"/>
+              <a:t>featurizer</a:t>
+            </a:r>
+            <a:r>
+              <a:rPr lang="en-US" altLang="ko-KR" baseline="0" dirty="0"/>
+              <a:t> </a:t>
+            </a:r>
+            <a:r>
+              <a:rPr lang="ko-KR" altLang="en-US" baseline="0" dirty="0"/>
+              <a:t>개발</a:t>
+            </a:r>
+            <a:endParaRPr lang="en-US" altLang="ko-KR" baseline="0" dirty="0"/>
+          </a:p>
+          <a:p>
+            <a:pPr marL="171450" indent="-171450">
+              <a:buFontTx/>
+              <a:buChar char="-"/>
+            </a:pPr>
+            <a:endParaRPr lang="en-US" altLang="ko-KR" baseline="0" dirty="0"/>
+          </a:p>
+          <a:p>
+            <a:pPr marL="0" indent="0">
+              <a:buFontTx/>
+              <a:buNone/>
+            </a:pPr>
+            <a:r>
+              <a:rPr lang="en-US" altLang="ko-KR" baseline="0" dirty="0"/>
+              <a:t>Word Embedding</a:t>
+            </a:r>
+          </a:p>
+          <a:p>
+            <a:pPr marL="171450" indent="-171450">
+              <a:buFontTx/>
+              <a:buChar char="-"/>
+            </a:pPr>
+            <a:r>
+              <a:rPr lang="ko-KR" altLang="en-US" baseline="0" dirty="0"/>
+              <a:t>대표적인 방법으로 </a:t>
+            </a:r>
+            <a:r>
+              <a:rPr lang="en-US" altLang="ko-KR" baseline="0" dirty="0"/>
+              <a:t>Word2vec</a:t>
+            </a:r>
+            <a:r>
+              <a:rPr lang="ko-KR" altLang="en-US" baseline="0" dirty="0"/>
+              <a:t>과 </a:t>
+            </a:r>
+            <a:r>
+              <a:rPr lang="en-US" altLang="ko-KR" baseline="0" dirty="0" err="1"/>
+              <a:t>Fasttext</a:t>
+            </a:r>
+            <a:endParaRPr lang="en-US" altLang="ko-KR" baseline="0" dirty="0"/>
+          </a:p>
+          <a:p>
+            <a:pPr marL="171450" indent="-171450">
+              <a:buFontTx/>
+              <a:buChar char="-"/>
+            </a:pPr>
+            <a:r>
+              <a:rPr lang="en-US" altLang="ko-KR" baseline="0" dirty="0" err="1"/>
+              <a:t>Fasttext</a:t>
+            </a:r>
+            <a:r>
+              <a:rPr lang="ko-KR" altLang="en-US" baseline="0" dirty="0"/>
+              <a:t>의 경우 </a:t>
+            </a:r>
+            <a:r>
+              <a:rPr lang="en-US" altLang="ko-KR" baseline="0" dirty="0" err="1"/>
+              <a:t>subword</a:t>
+            </a:r>
+            <a:r>
+              <a:rPr lang="en-US" altLang="ko-KR" baseline="0" dirty="0"/>
+              <a:t> </a:t>
+            </a:r>
+            <a:r>
+              <a:rPr lang="ko-KR" altLang="en-US" baseline="0" dirty="0"/>
+              <a:t>단위로 적용 가능하기 때문에 </a:t>
+            </a:r>
+            <a:r>
+              <a:rPr lang="en-US" altLang="ko-KR" baseline="0" dirty="0"/>
+              <a:t>OOV </a:t>
+            </a:r>
+            <a:r>
+              <a:rPr lang="ko-KR" altLang="en-US" baseline="0" dirty="0"/>
+              <a:t>문제가 적고</a:t>
+            </a:r>
+            <a:r>
+              <a:rPr lang="en-US" altLang="ko-KR" baseline="0" dirty="0"/>
+              <a:t>, </a:t>
+            </a:r>
+            <a:r>
+              <a:rPr lang="ko-KR" altLang="en-US" baseline="0" dirty="0"/>
+              <a:t>한국어에서도 대체적으로 좋은 성능을 보임</a:t>
+            </a:r>
+            <a:endParaRPr lang="en-US" altLang="ko-KR" baseline="0" dirty="0"/>
+          </a:p>
+          <a:p>
+            <a:pPr marL="0" indent="0">
+              <a:buFontTx/>
+              <a:buNone/>
+            </a:pPr>
+            <a:endParaRPr lang="en-US" altLang="ko-KR" dirty="0"/>
+          </a:p>
+          <a:p>
+            <a:pPr marL="0" indent="0">
+              <a:buFontTx/>
+              <a:buNone/>
+            </a:pPr>
+            <a:r>
+              <a:rPr lang="en-US" altLang="ko-KR" dirty="0"/>
+              <a:t>Flair</a:t>
+            </a:r>
+            <a:r>
+              <a:rPr lang="en-US" altLang="ko-KR" baseline="0" dirty="0"/>
+              <a:t> Embedding</a:t>
+            </a:r>
+          </a:p>
+          <a:p>
+            <a:pPr marL="0" indent="0">
+              <a:buFontTx/>
+              <a:buNone/>
+            </a:pPr>
+            <a:r>
+              <a:rPr lang="en-US" altLang="ko-KR" baseline="0" dirty="0"/>
+              <a:t>- </a:t>
+            </a:r>
+            <a:endParaRPr lang="en-US" altLang="ko-KR" dirty="0"/>
           </a:p>
         </p:txBody>
       </p:sp>
@@ -7869,7 +8120,7 @@
           <a:p>
             <a:fld id="{B8A155F3-8AE1-48DA-864B-73F9985F9839}" type="slidenum">
               <a:rPr lang="ko-KR" altLang="en-US" smtClean="0"/>
-              <a:t>10</a:t>
+              <a:t>8</a:t>
             </a:fld>
             <a:endParaRPr lang="ko-KR" altLang="en-US"/>
           </a:p>
@@ -7878,7 +8129,7 @@
     </p:spTree>
     <p:extLst>
       <p:ext uri="{BB962C8B-B14F-4D97-AF65-F5344CB8AC3E}">
-        <p14:creationId xmlns:p14="http://schemas.microsoft.com/office/powerpoint/2010/main" val="2307836339"/>
+        <p14:creationId xmlns:p14="http://schemas.microsoft.com/office/powerpoint/2010/main" val="1757487921"/>
       </p:ext>
     </p:extLst>
   </p:cSld>
@@ -7932,6 +8183,14 @@
           <a:bodyPr/>
           <a:lstStyle/>
           <a:p>
+            <a:r>
+              <a:rPr lang="en-US" altLang="ko-KR" dirty="0" smtClean="0"/>
+              <a:t>-</a:t>
+            </a:r>
+            <a:r>
+              <a:rPr lang="en-US" altLang="ko-KR" baseline="0" dirty="0" smtClean="0"/>
+              <a:t> Hash bucket : string (key) -&gt; index (value)</a:t>
+            </a:r>
             <a:endParaRPr lang="ko-KR" altLang="en-US" dirty="0"/>
           </a:p>
         </p:txBody>
@@ -7953,7 +8212,7 @@
           <a:p>
             <a:fld id="{B8A155F3-8AE1-48DA-864B-73F9985F9839}" type="slidenum">
               <a:rPr lang="ko-KR" altLang="en-US" smtClean="0"/>
-              <a:t>11</a:t>
+              <a:t>10</a:t>
             </a:fld>
             <a:endParaRPr lang="ko-KR" altLang="en-US"/>
           </a:p>
@@ -7962,7 +8221,7 @@
     </p:spTree>
     <p:extLst>
       <p:ext uri="{BB962C8B-B14F-4D97-AF65-F5344CB8AC3E}">
-        <p14:creationId xmlns:p14="http://schemas.microsoft.com/office/powerpoint/2010/main" val="781760452"/>
+        <p14:creationId xmlns:p14="http://schemas.microsoft.com/office/powerpoint/2010/main" val="2307836339"/>
       </p:ext>
     </p:extLst>
   </p:cSld>
@@ -8016,44 +8275,6 @@
           <a:bodyPr/>
           <a:lstStyle/>
           <a:p>
-            <a:r>
-              <a:rPr lang="en-US" altLang="ko-KR" dirty="0"/>
-              <a:t>Extractor</a:t>
-            </a:r>
-          </a:p>
-          <a:p>
-            <a:r>
-              <a:rPr lang="en-US" altLang="ko-KR" dirty="0"/>
-              <a:t>- Rasa</a:t>
-            </a:r>
-            <a:r>
-              <a:rPr lang="ko-KR" altLang="en-US" dirty="0"/>
-              <a:t>에서는 </a:t>
-            </a:r>
-            <a:r>
-              <a:rPr lang="en-US" altLang="ko-KR" dirty="0"/>
-              <a:t>BILOU</a:t>
-            </a:r>
-            <a:r>
-              <a:rPr lang="en-US" altLang="ko-KR" baseline="0" dirty="0"/>
-              <a:t> </a:t>
-            </a:r>
-            <a:r>
-              <a:rPr lang="ko-KR" altLang="en-US" baseline="0" dirty="0" err="1"/>
-              <a:t>태깅</a:t>
-            </a:r>
-            <a:r>
-              <a:rPr lang="ko-KR" altLang="en-US" baseline="0" dirty="0"/>
-              <a:t> </a:t>
-            </a:r>
-            <a:r>
-              <a:rPr lang="ko-KR" altLang="en-US" baseline="0" dirty="0" err="1"/>
-              <a:t>스킴을</a:t>
-            </a:r>
-            <a:r>
-              <a:rPr lang="ko-KR" altLang="en-US" baseline="0" dirty="0"/>
-              <a:t> 사용</a:t>
-            </a:r>
             <a:endParaRPr lang="ko-KR" altLang="en-US" dirty="0"/>
           </a:p>
         </p:txBody>
@@ -8075,7 +8296,7 @@
           <a:p>
             <a:fld id="{B8A155F3-8AE1-48DA-864B-73F9985F9839}" type="slidenum">
               <a:rPr lang="ko-KR" altLang="en-US" smtClean="0"/>
-              <a:t>12</a:t>
+              <a:t>11</a:t>
             </a:fld>
             <a:endParaRPr lang="ko-KR" altLang="en-US"/>
           </a:p>
@@ -8084,7 +8305,7 @@
     </p:spTree>
     <p:extLst>
       <p:ext uri="{BB962C8B-B14F-4D97-AF65-F5344CB8AC3E}">
-        <p14:creationId xmlns:p14="http://schemas.microsoft.com/office/powerpoint/2010/main" val="3233859843"/>
+        <p14:creationId xmlns:p14="http://schemas.microsoft.com/office/powerpoint/2010/main" val="781760452"/>
       </p:ext>
     </p:extLst>
   </p:cSld>
@@ -11009,6 +11230,13 @@
   <p:clrMapOvr>
     <a:masterClrMapping/>
   </p:clrMapOvr>
+  <p:timing>
+    <p:tnLst>
+      <p:par>
+        <p:cTn id="1" dur="indefinite" restart="never" nodeType="tmRoot"/>
+      </p:par>
+    </p:tnLst>
+  </p:timing>
 </p:sld>
 </file>
 
@@ -12565,7 +12793,7 @@
             </a:pPr>
             <a:r>
               <a:rPr lang="ko-KR" altLang="en-US" sz="2000" dirty="0" smtClean="0"/>
-              <a:t>기본적인 구조는 </a:t>
+              <a:t>기본적인 코드 구조는 </a:t>
             </a:r>
             <a:r>
               <a:rPr lang="en-US" altLang="ko-KR" sz="2000" dirty="0" smtClean="0"/>
@@ -12573,18 +12801,55 @@
             </a:r>
             <a:r>
               <a:rPr lang="ko-KR" altLang="en-US" sz="2000" dirty="0" smtClean="0"/>
-              <a:t>참고 </a:t>
-            </a:r>
-            <a:r>
-              <a:rPr lang="en-US" altLang="ko-KR" sz="2000" dirty="0" smtClean="0"/>
-              <a:t>(Classifier + </a:t>
-            </a:r>
-            <a:r>
-              <a:rPr lang="en-US" altLang="ko-KR" sz="2000" dirty="0" err="1" smtClean="0"/>
+              <a:t>참고</a:t>
+            </a:r>
+            <a:endParaRPr lang="en-US" altLang="ko-KR" sz="2000" dirty="0" smtClean="0"/>
+          </a:p>
+          <a:p>
+            <a:pPr lvl="1">
+              <a:buFontTx/>
+              <a:buChar char="-"/>
+            </a:pPr>
+            <a:r>
+              <a:rPr lang="en-US" altLang="ko-KR" sz="1600" dirty="0" err="1" smtClean="0"/>
+              <a:t>DIETClassifier</a:t>
+            </a:r>
+            <a:r>
+              <a:rPr lang="en-US" altLang="ko-KR" sz="1600" dirty="0" smtClean="0"/>
+              <a:t> (</a:t>
+            </a:r>
+            <a:r>
+              <a:rPr lang="en-US" altLang="ko-KR" sz="1600" dirty="0" err="1" smtClean="0"/>
+              <a:t>IntentClassifier</a:t>
+            </a:r>
+            <a:r>
+              <a:rPr lang="en-US" altLang="ko-KR" sz="1600" dirty="0" smtClean="0"/>
+              <a:t>, </a:t>
+            </a:r>
+            <a:r>
+              <a:rPr lang="en-US" altLang="ko-KR" sz="1600" dirty="0" err="1" smtClean="0"/>
+              <a:t>EntityExtractor</a:t>
+            </a:r>
+            <a:r>
+              <a:rPr lang="en-US" altLang="ko-KR" sz="1600" dirty="0" smtClean="0"/>
+              <a:t>) </a:t>
+            </a:r>
+          </a:p>
+          <a:p>
+            <a:pPr lvl="1">
+              <a:buFontTx/>
+              <a:buChar char="-"/>
+            </a:pPr>
+            <a:r>
+              <a:rPr lang="en-US" altLang="ko-KR" sz="1600" dirty="0" smtClean="0"/>
+              <a:t>DIET (</a:t>
+            </a:r>
+            <a:r>
+              <a:rPr lang="en-US" altLang="ko-KR" sz="1600" dirty="0" err="1" smtClean="0"/>
               <a:t>RasaModel</a:t>
             </a:r>
             <a:r>
-              <a:rPr lang="en-US" altLang="ko-KR" sz="2000" dirty="0" smtClean="0"/>
+              <a:rPr lang="en-US" altLang="ko-KR" sz="1600" dirty="0" smtClean="0"/>
               <a:t>)</a:t>
             </a:r>
           </a:p>
@@ -12703,7 +12968,7 @@
         </p:blipFill>
         <p:spPr>
           <a:xfrm>
-            <a:off x="7422777" y="3095027"/>
+            <a:off x="7058025" y="3181088"/>
             <a:ext cx="4295775" cy="1562100"/>
           </a:xfrm>
           <a:prstGeom prst="rect">
@@ -17667,8 +17932,24 @@
               <a:t>AI Hub </a:t>
             </a:r>
             <a:r>
+              <a:rPr lang="en-US" altLang="ko-KR" sz="2000" dirty="0" smtClean="0"/>
+              <a:t>“</a:t>
+            </a:r>
+            <a:r>
+              <a:rPr lang="ko-KR" altLang="en-US" sz="2000" dirty="0" smtClean="0"/>
+              <a:t>카페</a:t>
+            </a:r>
+            <a:r>
+              <a:rPr lang="en-US" altLang="ko-KR" sz="2000" dirty="0" smtClean="0"/>
+              <a:t>”</a:t>
+            </a:r>
+            <a:r>
+              <a:rPr lang="ko-KR" altLang="en-US" sz="2000" dirty="0" smtClean="0"/>
+              <a:t> </a:t>
+            </a:r>
+            <a:r>
               <a:rPr lang="ko-KR" altLang="en-US" sz="2000" dirty="0"/>
-              <a:t>카페 데이터</a:t>
+              <a:t>데이터</a:t>
             </a:r>
             <a:endParaRPr lang="en-US" altLang="ko-KR" sz="2000" dirty="0"/>
           </a:p>
@@ -19500,7 +19781,15 @@
             </a:pPr>
             <a:r>
               <a:rPr lang="ko-KR" altLang="en-US" sz="2000" dirty="0"/>
-              <a:t>그러나 대화 데이터 </a:t>
+              <a:t>그러나 </a:t>
+            </a:r>
+            <a:r>
+              <a:rPr lang="ko-KR" altLang="en-US" sz="2000" dirty="0" smtClean="0"/>
+              <a:t>내부 </a:t>
+            </a:r>
+            <a:r>
+              <a:rPr lang="ko-KR" altLang="en-US" sz="2000" dirty="0"/>
+              <a:t>데이터 </a:t>
             </a:r>
             <a:r>
               <a:rPr lang="en-US" altLang="ko-KR" sz="2000" dirty="0"/>
@@ -20075,6 +20364,13 @@
   <p:clrMapOvr>
     <a:masterClrMapping/>
   </p:clrMapOvr>
+  <p:timing>
+    <p:tnLst>
+      <p:par>
+        <p:cTn id="1" dur="indefinite" restart="never" nodeType="tmRoot"/>
+      </p:par>
+    </p:tnLst>
+  </p:timing>
 </p:sld>
 </file>
 
@@ -21048,7 +21344,7 @@
             </a:pPr>
             <a:r>
               <a:rPr lang="ko-KR" altLang="en-US" sz="2000" dirty="0" smtClean="0"/>
-              <a:t>모델의 입력을 글자 단위로 지정</a:t>
+              <a:t>글자 단위로 구분 후 모델 입력</a:t>
             </a:r>
             <a:endParaRPr lang="en-US" altLang="ko-KR" sz="2000" dirty="0"/>
           </a:p>
@@ -27109,7 +27405,7 @@
             </a:pPr>
             <a:r>
               <a:rPr lang="en-US" altLang="ko-KR" sz="1600" dirty="0" smtClean="0"/>
-              <a:t>Character : 0.764</a:t>
+              <a:t>Character : 0.745</a:t>
             </a:r>
           </a:p>
           <a:p>
@@ -27147,7 +27443,7 @@
           <p:nvPr>
             <p:extLst>
               <p:ext uri="{D42A27DB-BD31-4B8C-83A1-F6EECF244321}">
-                <p14:modId xmlns:p14="http://schemas.microsoft.com/office/powerpoint/2010/main" val="504648823"/>
+                <p14:modId xmlns:p14="http://schemas.microsoft.com/office/powerpoint/2010/main" val="1332588548"/>
               </p:ext>
             </p:extLst>
           </p:nvPr>
@@ -27173,7 +27469,7 @@
         <p:spPr>
           <a:xfrm>
             <a:off x="838199" y="3988971"/>
-            <a:ext cx="4562139" cy="945515"/>
+            <a:ext cx="4562139" cy="2508648"/>
           </a:xfrm>
           <a:prstGeom prst="rect">
             <a:avLst/>
@@ -27369,6 +27665,29 @@
             </a:pPr>
             <a:r>
               <a:rPr lang="ko-KR" altLang="en-US" sz="2000" dirty="0" smtClean="0"/>
+              <a:t>기존 </a:t>
+            </a:r>
+            <a:r>
+              <a:rPr lang="en-US" altLang="ko-KR" sz="2000" dirty="0" err="1" smtClean="0"/>
+              <a:t>Featurizer</a:t>
+            </a:r>
+            <a:r>
+              <a:rPr lang="en-US" altLang="ko-KR" sz="2000" dirty="0" smtClean="0"/>
+              <a:t> </a:t>
+            </a:r>
+            <a:r>
+              <a:rPr lang="ko-KR" altLang="en-US" sz="2000" dirty="0" smtClean="0"/>
+              <a:t>통합 방법 고려</a:t>
+            </a:r>
+            <a:endParaRPr lang="en-US" altLang="ko-KR" sz="2000" dirty="0" smtClean="0"/>
+          </a:p>
+          <a:p>
+            <a:pPr>
+              <a:buFontTx/>
+              <a:buChar char="-"/>
+            </a:pPr>
+            <a:r>
+              <a:rPr lang="ko-KR" altLang="en-US" sz="2000" dirty="0" smtClean="0"/>
               <a:t>추가 실험 및 연구 필요</a:t>
             </a:r>
             <a:endParaRPr lang="en-US" altLang="ko-KR" sz="2000" dirty="0" smtClean="0"/>
@@ -27673,8 +27992,29 @@
             </a:pPr>
             <a:r>
               <a:rPr lang="en-US" altLang="ko-KR" sz="1600" dirty="0"/>
-              <a:t>[5] word2vec</a:t>
-            </a:r>
+              <a:t>[</a:t>
+            </a:r>
+            <a:r>
+              <a:rPr lang="en-US" altLang="ko-KR" sz="1600" dirty="0" smtClean="0"/>
+              <a:t>5] Tomas </a:t>
+            </a:r>
+            <a:r>
+              <a:rPr lang="en-US" altLang="ko-KR" sz="1600" dirty="0" err="1" smtClean="0"/>
+              <a:t>Mikolov</a:t>
+            </a:r>
+            <a:r>
+              <a:rPr lang="en-US" altLang="ko-KR" sz="1600" dirty="0" smtClean="0"/>
+              <a:t>, </a:t>
+            </a:r>
+            <a:r>
+              <a:rPr lang="en-US" altLang="ko-KR" sz="1600" dirty="0"/>
+              <a:t>Distributed Representations of Words and Phrases and their Compositionality</a:t>
+            </a:r>
+            <a:r>
+              <a:rPr lang="en-US" altLang="ko-KR" sz="1600" dirty="0" smtClean="0"/>
+              <a:t> </a:t>
+            </a:r>
+            <a:endParaRPr lang="en-US" altLang="ko-KR" sz="1600" dirty="0"/>
           </a:p>
           <a:p>
             <a:pPr marL="0" indent="0">
@@ -29089,11 +29429,11 @@
               <a:t>와 </a:t>
             </a:r>
             <a:r>
-              <a:rPr lang="en-US" altLang="ko-KR" sz="2000" dirty="0" err="1"/>
-              <a:t>pos</a:t>
-            </a:r>
-            <a:r>
-              <a:rPr lang="en-US" altLang="ko-KR" sz="2000" dirty="0"/>
+              <a:rPr lang="ko-KR" altLang="en-US" sz="2000" dirty="0" smtClean="0"/>
+              <a:t>형태소</a:t>
+            </a:r>
+            <a:r>
+              <a:rPr lang="en-US" altLang="ko-KR" sz="2000" dirty="0" smtClean="0"/>
               <a:t> </a:t>
             </a:r>
             <a:r>
